--- a/ForkandPotatoSprint1.pptx
+++ b/ForkandPotatoSprint1.pptx
@@ -4001,55 +4001,6 @@
           </a:p>
         </p:txBody>
       </p:sp>
-      <p:sp>
-        <p:nvSpPr>
-          <p:cNvPr id="3" name="Content Placeholder 2"/>
-          <p:cNvSpPr>
-            <a:spLocks noGrp="1"/>
-          </p:cNvSpPr>
-          <p:nvPr>
-            <p:ph idx="1"/>
-          </p:nvPr>
-        </p:nvSpPr>
-        <p:spPr>
-          <a:xfrm>
-            <a:off x="1024128" y="1828800"/>
-            <a:ext cx="9720071" cy="4615543"/>
-          </a:xfrm>
-        </p:spPr>
-        <p:txBody>
-          <a:bodyPr>
-            <a:normAutofit/>
-          </a:bodyPr>
-          <a:lstStyle/>
-          <a:p>
-            <a:pPr marL="0" indent="0">
-              <a:buNone/>
-            </a:pPr>
-            <a:endParaRPr lang="en-US" sz="2400" dirty="0"/>
-          </a:p>
-          <a:p>
-            <a:pPr>
-              <a:buFont typeface="Wingdings" panose="05000000000000000000" pitchFamily="2" charset="2"/>
-              <a:buChar char="§"/>
-            </a:pPr>
-            <a:endParaRPr lang="en-US" sz="2800" dirty="0" smtClean="0"/>
-          </a:p>
-          <a:p>
-            <a:pPr marL="128016" lvl="1" indent="0">
-              <a:buNone/>
-            </a:pPr>
-            <a:endParaRPr lang="en-US" sz="2400" dirty="0" smtClean="0"/>
-          </a:p>
-          <a:p>
-            <a:pPr>
-              <a:buFont typeface="Wingdings" panose="05000000000000000000" pitchFamily="2" charset="2"/>
-              <a:buChar char="§"/>
-            </a:pPr>
-            <a:endParaRPr lang="en-US" sz="2800" dirty="0"/>
-          </a:p>
-        </p:txBody>
-      </p:sp>
       <p:pic>
         <p:nvPicPr>
           <p:cNvPr id="4" name="Picture 3"/>
@@ -4363,7 +4314,51 @@
               <a:buFont typeface="Wingdings" panose="05000000000000000000" pitchFamily="2" charset="2"/>
               <a:buChar char="§"/>
             </a:pPr>
-            <a:endParaRPr lang="en-US" sz="2800" dirty="0" smtClean="0"/>
+            <a:r>
+              <a:rPr lang="en-US" sz="2800" dirty="0" smtClean="0"/>
+              <a:t>Change from database login to </a:t>
+            </a:r>
+            <a:r>
+              <a:rPr lang="en-US" sz="2800" dirty="0" err="1" smtClean="0"/>
+              <a:t>facebook</a:t>
+            </a:r>
+            <a:r>
+              <a:rPr lang="en-US" sz="2800" dirty="0" smtClean="0"/>
+              <a:t> </a:t>
+            </a:r>
+            <a:r>
+              <a:rPr lang="en-US" sz="2800" dirty="0" smtClean="0"/>
+              <a:t>login</a:t>
+            </a:r>
+          </a:p>
+          <a:p>
+            <a:pPr>
+              <a:buFont typeface="Wingdings" panose="05000000000000000000" pitchFamily="2" charset="2"/>
+              <a:buChar char="§"/>
+            </a:pPr>
+            <a:r>
+              <a:rPr lang="en-US" sz="2800" dirty="0" smtClean="0"/>
+              <a:t>Make viewing on mobile a priority</a:t>
+            </a:r>
+          </a:p>
+          <a:p>
+            <a:pPr lvl="1">
+              <a:buFont typeface="Wingdings" panose="05000000000000000000" pitchFamily="2" charset="2"/>
+              <a:buChar char="§"/>
+            </a:pPr>
+            <a:r>
+              <a:rPr lang="en-US" sz="2400" dirty="0" err="1"/>
+              <a:t>S</a:t>
+            </a:r>
+            <a:r>
+              <a:rPr lang="en-US" sz="2400" dirty="0" err="1" smtClean="0"/>
+              <a:t>idescrolling</a:t>
+            </a:r>
+            <a:r>
+              <a:rPr lang="en-US" sz="2400" dirty="0" smtClean="0"/>
+              <a:t> speed may differ depending on display settings</a:t>
+            </a:r>
+            <a:endParaRPr lang="en-US" sz="2400" dirty="0" smtClean="0"/>
           </a:p>
           <a:p>
             <a:pPr marL="128016" lvl="1" indent="0">
@@ -5827,7 +5822,7 @@
             </a:pPr>
             <a:r>
               <a:rPr lang="en-US" sz="3200" dirty="0" smtClean="0"/>
-              <a:t>Up to 1</a:t>
+              <a:t>1</a:t>
             </a:r>
             <a:r>
               <a:rPr lang="en-US" sz="3200" baseline="30000" dirty="0" smtClean="0"/>
@@ -5835,13 +5830,16 @@
             </a:r>
             <a:r>
               <a:rPr lang="en-US" sz="3200" dirty="0" smtClean="0"/>
-              <a:t> level artwork </a:t>
-            </a:r>
-            <a:r>
-              <a:rPr lang="en-US" sz="3200" dirty="0"/>
-              <a:t>finished and implemented </a:t>
-            </a:r>
-            <a:endParaRPr lang="en-US" sz="3200" dirty="0" smtClean="0"/>
+              <a:t> </a:t>
+            </a:r>
+            <a:r>
+              <a:rPr lang="en-US" sz="3200" dirty="0" smtClean="0"/>
+              <a:t>level artwork </a:t>
+            </a:r>
+            <a:r>
+              <a:rPr lang="en-US" sz="3200" dirty="0" smtClean="0"/>
+              <a:t>finished</a:t>
+            </a:r>
           </a:p>
           <a:p>
             <a:pPr lvl="1">
@@ -5849,8 +5847,12 @@
               <a:buChar char="§"/>
             </a:pPr>
             <a:r>
+              <a:rPr lang="en-US" sz="2800" dirty="0" smtClean="0"/>
+              <a:t>Implement </a:t>
+            </a:r>
+            <a:r>
               <a:rPr lang="en-US" sz="2800" dirty="0"/>
-              <a:t>Implement full player artwork</a:t>
+              <a:t>full player artwork</a:t>
             </a:r>
           </a:p>
           <a:p>
@@ -5860,45 +5862,7 @@
             </a:pPr>
             <a:r>
               <a:rPr lang="en-US" sz="2800" dirty="0"/>
-              <a:t>Implement full enemy artwork</a:t>
-            </a:r>
-          </a:p>
-          <a:p>
-            <a:pPr lvl="1">
-              <a:buFont typeface="Wingdings" panose="05000000000000000000" pitchFamily="2" charset="2"/>
-              <a:buChar char="§"/>
-            </a:pPr>
-            <a:r>
-              <a:rPr lang="en-US" sz="2800" dirty="0"/>
-              <a:t>Implement full gameplay </a:t>
-            </a:r>
-            <a:r>
-              <a:rPr lang="en-US" sz="2800" dirty="0" smtClean="0"/>
-              <a:t>UI </a:t>
-            </a:r>
-            <a:r>
-              <a:rPr lang="en-US" sz="2800" dirty="0"/>
-              <a:t>artwork</a:t>
-            </a:r>
-          </a:p>
-          <a:p>
-            <a:pPr lvl="1">
-              <a:buFont typeface="Wingdings" panose="05000000000000000000" pitchFamily="2" charset="2"/>
-              <a:buChar char="§"/>
-            </a:pPr>
-            <a:r>
-              <a:rPr lang="en-US" sz="2800" dirty="0"/>
-              <a:t>implement full pause screen artwork</a:t>
-            </a:r>
-          </a:p>
-          <a:p>
-            <a:pPr lvl="1">
-              <a:buFont typeface="Wingdings" panose="05000000000000000000" pitchFamily="2" charset="2"/>
-              <a:buChar char="§"/>
-            </a:pPr>
-            <a:r>
-              <a:rPr lang="en-US" sz="2800" dirty="0"/>
-              <a:t>Implement full victory screen </a:t>
+              <a:t>Implement full enemy </a:t>
             </a:r>
             <a:r>
               <a:rPr lang="en-US" sz="2800" dirty="0" smtClean="0"/>
@@ -5938,103 +5902,22 @@
       </p:sp>
       <p:pic>
         <p:nvPicPr>
-          <p:cNvPr id="7" name="Content Placeholder 3"/>
+          <p:cNvPr id="4" name="Picture 3"/>
           <p:cNvPicPr>
             <a:picLocks noChangeAspect="1"/>
           </p:cNvPicPr>
           <p:nvPr/>
         </p:nvPicPr>
         <p:blipFill>
-          <a:blip r:embed="rId2">
-            <a:extLst>
-              <a:ext uri="{28A0092B-C50C-407E-A947-70E740481C1C}">
-                <a14:useLocalDpi xmlns:a14="http://schemas.microsoft.com/office/drawing/2010/main" val="0"/>
-              </a:ext>
-            </a:extLst>
-          </a:blip>
+          <a:blip r:embed="rId2"/>
           <a:stretch>
             <a:fillRect/>
           </a:stretch>
         </p:blipFill>
         <p:spPr>
           <a:xfrm>
-            <a:off x="7205143" y="1459626"/>
-            <a:ext cx="3899179" cy="4457867"/>
-          </a:xfrm>
-          <a:prstGeom prst="rect">
-            <a:avLst/>
-          </a:prstGeom>
-        </p:spPr>
-      </p:pic>
-      <p:sp>
-        <p:nvSpPr>
-          <p:cNvPr id="8" name="Oval 7"/>
-          <p:cNvSpPr/>
-          <p:nvPr/>
-        </p:nvSpPr>
-        <p:spPr>
-          <a:xfrm>
-            <a:off x="10058400" y="4520485"/>
-            <a:ext cx="444321" cy="64394"/>
-          </a:xfrm>
-          <a:prstGeom prst="ellipse">
-            <a:avLst/>
-          </a:prstGeom>
-          <a:solidFill>
-            <a:schemeClr val="bg2">
-              <a:lumMod val="50000"/>
-            </a:schemeClr>
-          </a:solidFill>
-        </p:spPr>
-        <p:style>
-          <a:lnRef idx="2">
-            <a:schemeClr val="dk1">
-              <a:shade val="50000"/>
-            </a:schemeClr>
-          </a:lnRef>
-          <a:fillRef idx="1">
-            <a:schemeClr val="dk1"/>
-          </a:fillRef>
-          <a:effectRef idx="0">
-            <a:schemeClr val="dk1"/>
-          </a:effectRef>
-          <a:fontRef idx="minor">
-            <a:schemeClr val="lt1"/>
-          </a:fontRef>
-        </p:style>
-        <p:txBody>
-          <a:bodyPr rtlCol="0" anchor="ctr"/>
-          <a:lstStyle/>
-          <a:p>
-            <a:pPr algn="ctr"/>
-            <a:endParaRPr lang="en-US"/>
-          </a:p>
-        </p:txBody>
-      </p:sp>
-      <p:pic>
-        <p:nvPicPr>
-          <p:cNvPr id="9" name="Picture 8"/>
-          <p:cNvPicPr>
-            <a:picLocks noChangeAspect="1"/>
-          </p:cNvPicPr>
-          <p:nvPr/>
-        </p:nvPicPr>
-        <p:blipFill>
-          <a:blip r:embed="rId3" cstate="print">
-            <a:extLst>
-              <a:ext uri="{28A0092B-C50C-407E-A947-70E740481C1C}">
-                <a14:useLocalDpi xmlns:a14="http://schemas.microsoft.com/office/drawing/2010/main" val="0"/>
-              </a:ext>
-            </a:extLst>
-          </a:blip>
-          <a:stretch>
-            <a:fillRect/>
-          </a:stretch>
-        </p:blipFill>
-        <p:spPr>
-          <a:xfrm>
-            <a:off x="9849120" y="3790353"/>
-            <a:ext cx="895080" cy="895080"/>
+            <a:off x="6191003" y="1534844"/>
+            <a:ext cx="4697750" cy="4654941"/>
           </a:xfrm>
           <a:prstGeom prst="rect">
             <a:avLst/>
@@ -6120,7 +6003,7 @@
         <p:spPr/>
         <p:txBody>
           <a:bodyPr>
-            <a:normAutofit/>
+            <a:normAutofit lnSpcReduction="10000"/>
           </a:bodyPr>
           <a:lstStyle/>
           <a:p>
@@ -6130,19 +6013,7 @@
             </a:pPr>
             <a:r>
               <a:rPr lang="en-US" sz="3200" dirty="0" smtClean="0"/>
-              <a:t>Up to 1</a:t>
-            </a:r>
-            <a:r>
-              <a:rPr lang="en-US" sz="3200" baseline="30000" dirty="0" smtClean="0"/>
-              <a:t>st</a:t>
-            </a:r>
-            <a:r>
-              <a:rPr lang="en-US" sz="3200" dirty="0" smtClean="0"/>
-              <a:t> level artwork </a:t>
-            </a:r>
-            <a:r>
-              <a:rPr lang="en-US" sz="3200" dirty="0"/>
-              <a:t>finished and implemented </a:t>
+              <a:t>Artwork not implemented</a:t>
             </a:r>
             <a:endParaRPr lang="en-US" sz="3200" dirty="0" smtClean="0"/>
           </a:p>
@@ -6213,7 +6084,26 @@
               <a:rPr lang="en-US" sz="2800" dirty="0" smtClean="0"/>
               <a:t>artwork</a:t>
             </a:r>
-            <a:endParaRPr lang="en-US" sz="2800" dirty="0"/>
+          </a:p>
+          <a:p>
+            <a:pPr>
+              <a:buFont typeface="Wingdings" panose="05000000000000000000" pitchFamily="2" charset="2"/>
+              <a:buChar char="§"/>
+            </a:pPr>
+            <a:r>
+              <a:rPr lang="en-US" sz="3200" dirty="0" smtClean="0"/>
+              <a:t>Challenges</a:t>
+            </a:r>
+          </a:p>
+          <a:p>
+            <a:pPr lvl="1">
+              <a:buFont typeface="Wingdings" panose="05000000000000000000" pitchFamily="2" charset="2"/>
+              <a:buChar char="§"/>
+            </a:pPr>
+            <a:r>
+              <a:rPr lang="en-US" sz="2800" dirty="0" smtClean="0"/>
+              <a:t>Animations had to be separated into frames</a:t>
+            </a:r>
           </a:p>
         </p:txBody>
       </p:sp>
@@ -6364,12 +6254,12 @@
               <a:buChar char="§"/>
             </a:pPr>
             <a:r>
+              <a:rPr lang="en-US" sz="3200" dirty="0"/>
+              <a:t>G</a:t>
+            </a:r>
+            <a:r>
               <a:rPr lang="en-US" sz="3200" dirty="0" smtClean="0"/>
-              <a:t>All </a:t>
-            </a:r>
-            <a:r>
-              <a:rPr lang="en-US" sz="3200" dirty="0"/>
-              <a:t>gameplay mechanics are </a:t>
+              <a:t>ameplay mechanics </a:t>
             </a:r>
             <a:r>
               <a:rPr lang="en-US" sz="3200" dirty="0" smtClean="0"/>
@@ -6396,8 +6286,12 @@
               <a:buChar char="§"/>
             </a:pPr>
             <a:r>
+              <a:rPr lang="en-US" sz="2800" dirty="0" smtClean="0"/>
+              <a:t>Added </a:t>
+            </a:r>
+            <a:r>
               <a:rPr lang="en-US" sz="2800" dirty="0"/>
-              <a:t>Add core gameplay </a:t>
+              <a:t>core gameplay </a:t>
             </a:r>
             <a:r>
               <a:rPr lang="en-US" sz="2800" dirty="0" smtClean="0"/>
@@ -6411,23 +6305,7 @@
             </a:pPr>
             <a:r>
               <a:rPr lang="en-US" sz="2800" dirty="0" smtClean="0"/>
-              <a:t>Pause </a:t>
-            </a:r>
-            <a:r>
-              <a:rPr lang="en-US" sz="2800" dirty="0"/>
-              <a:t>Menu </a:t>
-            </a:r>
-            <a:r>
-              <a:rPr lang="en-US" sz="2800" dirty="0" err="1"/>
-              <a:t>javascript</a:t>
-            </a:r>
-            <a:r>
-              <a:rPr lang="en-US" sz="2800" dirty="0"/>
-              <a:t> </a:t>
-            </a:r>
-            <a:r>
-              <a:rPr lang="en-US" sz="2800" dirty="0" smtClean="0"/>
-              <a:t>functionality</a:t>
+              <a:t>Added boss and quiz section</a:t>
             </a:r>
           </a:p>
           <a:p>
@@ -6437,52 +6315,15 @@
             </a:pPr>
             <a:r>
               <a:rPr lang="en-US" sz="2800" dirty="0"/>
-              <a:t>Victory Overlay </a:t>
-            </a:r>
-            <a:r>
-              <a:rPr lang="en-US" sz="2800" dirty="0" err="1"/>
-              <a:t>javascript</a:t>
+              <a:t>P</a:t>
+            </a:r>
+            <a:r>
+              <a:rPr lang="en-US" sz="2800" dirty="0" smtClean="0"/>
+              <a:t>laceholder </a:t>
             </a:r>
             <a:r>
               <a:rPr lang="en-US" sz="2800" dirty="0"/>
-              <a:t> functionality </a:t>
-            </a:r>
-            <a:endParaRPr lang="en-US" sz="2800" dirty="0" smtClean="0"/>
-          </a:p>
-          <a:p>
-            <a:pPr lvl="1">
-              <a:buFont typeface="Wingdings" panose="05000000000000000000" pitchFamily="2" charset="2"/>
-              <a:buChar char="§"/>
-            </a:pPr>
-            <a:r>
-              <a:rPr lang="en-US" sz="2800" dirty="0"/>
-              <a:t>Gameplay player animations </a:t>
-            </a:r>
-            <a:r>
-              <a:rPr lang="en-US" sz="2800" dirty="0" err="1"/>
-              <a:t>javascript</a:t>
-            </a:r>
-            <a:r>
-              <a:rPr lang="en-US" sz="2800" dirty="0"/>
-              <a:t> skeleton</a:t>
-            </a:r>
-          </a:p>
-          <a:p>
-            <a:pPr lvl="1">
-              <a:buFont typeface="Wingdings" panose="05000000000000000000" pitchFamily="2" charset="2"/>
-              <a:buChar char="§"/>
-            </a:pPr>
-            <a:r>
-              <a:rPr lang="en-US" sz="2800" dirty="0"/>
-              <a:t>Gameplay enemy animations </a:t>
-            </a:r>
-            <a:r>
-              <a:rPr lang="en-US" sz="2800" dirty="0" err="1"/>
-              <a:t>javascript</a:t>
-            </a:r>
-            <a:r>
-              <a:rPr lang="en-US" sz="2800" dirty="0"/>
-              <a:t> skeleton</a:t>
+              <a:t>level is fully functional</a:t>
             </a:r>
           </a:p>
           <a:p>
@@ -6642,16 +6483,9 @@
             </a:pPr>
             <a:r>
               <a:rPr lang="en-US" sz="3200" dirty="0" smtClean="0"/>
-              <a:t>All </a:t>
-            </a:r>
-            <a:r>
-              <a:rPr lang="en-US" sz="3200" dirty="0"/>
-              <a:t>gameplay mechanics are </a:t>
-            </a:r>
-            <a:r>
-              <a:rPr lang="en-US" sz="3200" dirty="0" smtClean="0"/>
-              <a:t>implemented</a:t>
-            </a:r>
+              <a:t>Mechanics not implemented yet</a:t>
+            </a:r>
+            <a:endParaRPr lang="en-US" sz="3200" dirty="0" smtClean="0"/>
           </a:p>
           <a:p>
             <a:pPr lvl="1">
@@ -6710,39 +6544,30 @@
             </a:r>
           </a:p>
           <a:p>
+            <a:pPr>
+              <a:buFont typeface="Wingdings" panose="05000000000000000000" pitchFamily="2" charset="2"/>
+              <a:buChar char="§"/>
+            </a:pPr>
+            <a:r>
+              <a:rPr lang="en-US" sz="3200" dirty="0" smtClean="0"/>
+              <a:t>Challenges</a:t>
+            </a:r>
+            <a:endParaRPr lang="en-US" sz="2800" dirty="0"/>
+          </a:p>
+          <a:p>
             <a:pPr lvl="1">
               <a:buFont typeface="Wingdings" panose="05000000000000000000" pitchFamily="2" charset="2"/>
               <a:buChar char="§"/>
             </a:pPr>
             <a:r>
-              <a:rPr lang="en-US" sz="2800" dirty="0"/>
-              <a:t>Ensure that placeholder level is fully </a:t>
-            </a:r>
-            <a:r>
               <a:rPr lang="en-US" sz="2800" dirty="0" smtClean="0"/>
-              <a:t>functional</a:t>
-            </a:r>
-          </a:p>
-          <a:p>
-            <a:pPr>
-              <a:buFont typeface="Wingdings" panose="05000000000000000000" pitchFamily="2" charset="2"/>
-              <a:buChar char="§"/>
-            </a:pPr>
-            <a:r>
-              <a:rPr lang="en-US" sz="3200" dirty="0" smtClean="0"/>
-              <a:t>Challenges</a:t>
-            </a:r>
-            <a:endParaRPr lang="en-US" sz="2800" dirty="0"/>
-          </a:p>
-          <a:p>
-            <a:pPr lvl="1">
-              <a:buFont typeface="Wingdings" panose="05000000000000000000" pitchFamily="2" charset="2"/>
-              <a:buChar char="§"/>
-            </a:pPr>
+              <a:t>Not enough detail on gameplay </a:t>
+            </a:r>
             <a:r>
               <a:rPr lang="en-US" sz="2800" dirty="0" smtClean="0"/>
-              <a:t>Not enough detail on gameplay mechanics</a:t>
-            </a:r>
+              <a:t>mechanics description</a:t>
+            </a:r>
+            <a:endParaRPr lang="en-US" sz="2800" dirty="0" smtClean="0"/>
           </a:p>
           <a:p>
             <a:pPr lvl="1">
@@ -6920,7 +6745,6 @@
               <a:rPr lang="en-US" sz="2400" dirty="0" smtClean="0"/>
               <a:t>Researched and created 25 questions</a:t>
             </a:r>
-            <a:endParaRPr lang="en-US" sz="2400" dirty="0" smtClean="0"/>
           </a:p>
           <a:p>
             <a:pPr lvl="1">
@@ -6931,7 +6755,6 @@
               <a:rPr lang="en-US" sz="2400" dirty="0" smtClean="0"/>
               <a:t>Formatted questions into multiple choice</a:t>
             </a:r>
-            <a:endParaRPr lang="en-US" sz="2400" dirty="0" smtClean="0"/>
           </a:p>
           <a:p>
             <a:pPr lvl="1">
@@ -6951,7 +6774,11 @@
             </a:pPr>
             <a:r>
               <a:rPr lang="en-US" sz="2800" dirty="0"/>
-              <a:t>A database </a:t>
+              <a:t>D</a:t>
+            </a:r>
+            <a:r>
+              <a:rPr lang="en-US" sz="2800" dirty="0" smtClean="0"/>
+              <a:t>atabase </a:t>
             </a:r>
             <a:r>
               <a:rPr lang="en-US" sz="2800" dirty="0" smtClean="0"/>
@@ -6977,7 +6804,6 @@
               <a:rPr lang="en-US" sz="2400" dirty="0" smtClean="0"/>
               <a:t>Enough functionality to enable game mechanics</a:t>
             </a:r>
-            <a:endParaRPr lang="en-US" sz="2400" dirty="0" smtClean="0"/>
           </a:p>
         </p:txBody>
       </p:sp>
@@ -7139,11 +6965,7 @@
             </a:pPr>
             <a:r>
               <a:rPr lang="en-US" sz="2400" dirty="0" smtClean="0"/>
-              <a:t>Enter </a:t>
-            </a:r>
-            <a:r>
-              <a:rPr lang="en-US" sz="2400" dirty="0" smtClean="0"/>
-              <a:t>enemy stats in database</a:t>
+              <a:t>Enter enemy stats in database</a:t>
             </a:r>
           </a:p>
           <a:p>
@@ -7153,11 +6975,7 @@
             </a:pPr>
             <a:r>
               <a:rPr lang="en-US" sz="2400" dirty="0" smtClean="0"/>
-              <a:t>Setup character level progress and item </a:t>
-            </a:r>
-            <a:r>
-              <a:rPr lang="en-US" sz="2400" dirty="0" smtClean="0"/>
-              <a:t>objects</a:t>
+              <a:t>Setup character level progress and item objects</a:t>
             </a:r>
             <a:endParaRPr lang="en-US" sz="2000" dirty="0"/>
           </a:p>
@@ -7229,16 +7047,13 @@
             </a:pPr>
             <a:r>
               <a:rPr lang="en-US" sz="2400" dirty="0"/>
-              <a:t>New to firebase which has </a:t>
+              <a:t>New to </a:t>
             </a:r>
             <a:r>
               <a:rPr lang="en-US" sz="2400" dirty="0" smtClean="0"/>
-              <a:t>new unique </a:t>
-            </a:r>
-            <a:r>
-              <a:rPr lang="en-US" sz="2400" dirty="0"/>
-              <a:t>functions</a:t>
-            </a:r>
+              <a:t>firebase</a:t>
+            </a:r>
+            <a:endParaRPr lang="en-US" sz="2400" dirty="0"/>
           </a:p>
           <a:p>
             <a:pPr lvl="1">

--- a/ForkandPotatoSprint1.pptx
+++ b/ForkandPotatoSprint1.pptx
@@ -4324,11 +4324,7 @@
             </a:r>
             <a:r>
               <a:rPr lang="en-US" sz="2800" dirty="0" smtClean="0"/>
-              <a:t> </a:t>
-            </a:r>
-            <a:r>
-              <a:rPr lang="en-US" sz="2800" dirty="0" smtClean="0"/>
-              <a:t>login</a:t>
+              <a:t> login</a:t>
             </a:r>
           </a:p>
           <a:p>
@@ -4358,7 +4354,6 @@
               <a:rPr lang="en-US" sz="2400" dirty="0" smtClean="0"/>
               <a:t> speed may differ depending on display settings</a:t>
             </a:r>
-            <a:endParaRPr lang="en-US" sz="2400" dirty="0" smtClean="0"/>
           </a:p>
           <a:p>
             <a:pPr marL="128016" lvl="1" indent="0">
@@ -5830,15 +5825,7 @@
             </a:r>
             <a:r>
               <a:rPr lang="en-US" sz="3200" dirty="0" smtClean="0"/>
-              <a:t> </a:t>
-            </a:r>
-            <a:r>
-              <a:rPr lang="en-US" sz="3200" dirty="0" smtClean="0"/>
-              <a:t>level artwork </a:t>
-            </a:r>
-            <a:r>
-              <a:rPr lang="en-US" sz="3200" dirty="0" smtClean="0"/>
-              <a:t>finished</a:t>
+              <a:t> level artwork finished</a:t>
             </a:r>
           </a:p>
           <a:p>
@@ -6015,7 +6002,6 @@
               <a:rPr lang="en-US" sz="3200" dirty="0" smtClean="0"/>
               <a:t>Artwork not implemented</a:t>
             </a:r>
-            <a:endParaRPr lang="en-US" sz="3200" dirty="0" smtClean="0"/>
           </a:p>
           <a:p>
             <a:pPr lvl="1">
@@ -6259,11 +6245,7 @@
             </a:r>
             <a:r>
               <a:rPr lang="en-US" sz="3200" dirty="0" smtClean="0"/>
-              <a:t>ameplay mechanics </a:t>
-            </a:r>
-            <a:r>
-              <a:rPr lang="en-US" sz="3200" dirty="0" smtClean="0"/>
-              <a:t>implemented</a:t>
+              <a:t>ameplay mechanics implemented</a:t>
             </a:r>
           </a:p>
           <a:p>
@@ -6281,6 +6263,17 @@
             </a:r>
           </a:p>
           <a:p>
+            <a:pPr lvl="2">
+              <a:buFont typeface="Wingdings" panose="05000000000000000000" pitchFamily="2" charset="2"/>
+              <a:buChar char="§"/>
+            </a:pPr>
+            <a:r>
+              <a:rPr lang="en-US" sz="2400" dirty="0" smtClean="0"/>
+              <a:t>Auto attack, items and skills added</a:t>
+            </a:r>
+            <a:endParaRPr lang="en-US" sz="2400" dirty="0" smtClean="0"/>
+          </a:p>
+          <a:p>
             <a:pPr lvl="1">
               <a:buFont typeface="Wingdings" panose="05000000000000000000" pitchFamily="2" charset="2"/>
               <a:buChar char="§"/>
@@ -6299,6 +6292,17 @@
             </a:r>
           </a:p>
           <a:p>
+            <a:pPr lvl="2">
+              <a:buFont typeface="Wingdings" panose="05000000000000000000" pitchFamily="2" charset="2"/>
+              <a:buChar char="§"/>
+            </a:pPr>
+            <a:r>
+              <a:rPr lang="en-US" sz="2400" dirty="0" smtClean="0"/>
+              <a:t>Collision mechanic added</a:t>
+            </a:r>
+            <a:endParaRPr lang="en-US" sz="2400" dirty="0" smtClean="0"/>
+          </a:p>
+          <a:p>
             <a:pPr lvl="1">
               <a:buFont typeface="Wingdings" panose="05000000000000000000" pitchFamily="2" charset="2"/>
               <a:buChar char="§"/>
@@ -6323,8 +6327,13 @@
             </a:r>
             <a:r>
               <a:rPr lang="en-US" sz="2800" dirty="0"/>
-              <a:t>level is fully functional</a:t>
-            </a:r>
+              <a:t>level is fully </a:t>
+            </a:r>
+            <a:r>
+              <a:rPr lang="en-US" sz="2800" dirty="0" smtClean="0"/>
+              <a:t>functional</a:t>
+            </a:r>
+            <a:endParaRPr lang="en-US" sz="2800" dirty="0"/>
           </a:p>
           <a:p>
             <a:pPr lvl="1">
@@ -6485,7 +6494,6 @@
               <a:rPr lang="en-US" sz="3200" dirty="0" smtClean="0"/>
               <a:t>Mechanics not implemented yet</a:t>
             </a:r>
-            <a:endParaRPr lang="en-US" sz="3200" dirty="0" smtClean="0"/>
           </a:p>
           <a:p>
             <a:pPr lvl="1">
@@ -6561,13 +6569,8 @@
             </a:pPr>
             <a:r>
               <a:rPr lang="en-US" sz="2800" dirty="0" smtClean="0"/>
-              <a:t>Not enough detail on gameplay </a:t>
-            </a:r>
-            <a:r>
-              <a:rPr lang="en-US" sz="2800" dirty="0" smtClean="0"/>
-              <a:t>mechanics description</a:t>
-            </a:r>
-            <a:endParaRPr lang="en-US" sz="2800" dirty="0" smtClean="0"/>
+              <a:t>Not enough detail on gameplay mechanics description</a:t>
+            </a:r>
           </a:p>
           <a:p>
             <a:pPr lvl="1">
@@ -6576,8 +6579,23 @@
             </a:pPr>
             <a:r>
               <a:rPr lang="en-US" sz="2800" dirty="0" smtClean="0"/>
-              <a:t>Needed to write a gameplay design document</a:t>
-            </a:r>
+              <a:t>Needed to write a gameplay design </a:t>
+            </a:r>
+            <a:r>
+              <a:rPr lang="en-US" sz="2800" dirty="0" smtClean="0"/>
+              <a:t>document</a:t>
+            </a:r>
+          </a:p>
+          <a:p>
+            <a:pPr lvl="1">
+              <a:buFont typeface="Wingdings" panose="05000000000000000000" pitchFamily="2" charset="2"/>
+              <a:buChar char="§"/>
+            </a:pPr>
+            <a:r>
+              <a:rPr lang="en-US" sz="2800" dirty="0" smtClean="0"/>
+              <a:t>Changed to a collision based mechanic</a:t>
+            </a:r>
+            <a:endParaRPr lang="en-US" sz="2800" dirty="0" smtClean="0"/>
           </a:p>
         </p:txBody>
       </p:sp>
@@ -6778,11 +6796,7 @@
             </a:r>
             <a:r>
               <a:rPr lang="en-US" sz="2800" dirty="0" smtClean="0"/>
-              <a:t>atabase </a:t>
-            </a:r>
-            <a:r>
-              <a:rPr lang="en-US" sz="2800" dirty="0" smtClean="0"/>
-              <a:t>functions</a:t>
+              <a:t>atabase functions</a:t>
             </a:r>
           </a:p>
           <a:p>

--- a/ForkandPotatoSprint1.pptx
+++ b/ForkandPotatoSprint1.pptx
@@ -5,21 +5,20 @@
     <p:sldMasterId id="2147484005" r:id="rId1"/>
   </p:sldMasterIdLst>
   <p:notesMasterIdLst>
-    <p:notesMasterId r:id="rId14"/>
+    <p:notesMasterId r:id="rId13"/>
   </p:notesMasterIdLst>
   <p:sldIdLst>
     <p:sldId id="256" r:id="rId2"/>
     <p:sldId id="259" r:id="rId3"/>
-    <p:sldId id="272" r:id="rId4"/>
-    <p:sldId id="271" r:id="rId5"/>
-    <p:sldId id="274" r:id="rId6"/>
-    <p:sldId id="273" r:id="rId7"/>
-    <p:sldId id="275" r:id="rId8"/>
-    <p:sldId id="276" r:id="rId9"/>
-    <p:sldId id="278" r:id="rId10"/>
+    <p:sldId id="271" r:id="rId4"/>
+    <p:sldId id="274" r:id="rId5"/>
+    <p:sldId id="273" r:id="rId6"/>
+    <p:sldId id="275" r:id="rId7"/>
+    <p:sldId id="276" r:id="rId8"/>
+    <p:sldId id="278" r:id="rId9"/>
+    <p:sldId id="272" r:id="rId10"/>
     <p:sldId id="280" r:id="rId11"/>
-    <p:sldId id="279" r:id="rId12"/>
-    <p:sldId id="268" r:id="rId13"/>
+    <p:sldId id="268" r:id="rId12"/>
   </p:sldIdLst>
   <p:sldSz cx="12192000" cy="6858000"/>
   <p:notesSz cx="6858000" cy="9144000"/>
@@ -212,7 +211,7 @@
           <a:p>
             <a:fld id="{85C9D185-BD0B-4F6A-ACA2-42A73062CFD2}" type="datetimeFigureOut">
               <a:rPr lang="en-US" smtClean="0"/>
-              <a:t>5/11/2017</a:t>
+              <a:t>5/12/2017</a:t>
             </a:fld>
             <a:endParaRPr lang="en-US"/>
           </a:p>
@@ -669,7 +668,7 @@
           <a:p>
             <a:fld id="{3AF8BBF1-0960-4F0E-BBD3-56792029CCDE}" type="datetimeFigureOut">
               <a:rPr lang="en-US" smtClean="0"/>
-              <a:t>5/11/2017</a:t>
+              <a:t>5/12/2017</a:t>
             </a:fld>
             <a:endParaRPr lang="en-US"/>
           </a:p>
@@ -874,7 +873,7 @@
           <a:p>
             <a:fld id="{3AF8BBF1-0960-4F0E-BBD3-56792029CCDE}" type="datetimeFigureOut">
               <a:rPr lang="en-US" smtClean="0"/>
-              <a:t>5/11/2017</a:t>
+              <a:t>5/12/2017</a:t>
             </a:fld>
             <a:endParaRPr lang="en-US"/>
           </a:p>
@@ -1054,7 +1053,7 @@
           <a:p>
             <a:fld id="{3AF8BBF1-0960-4F0E-BBD3-56792029CCDE}" type="datetimeFigureOut">
               <a:rPr lang="en-US" smtClean="0"/>
-              <a:t>5/11/2017</a:t>
+              <a:t>5/12/2017</a:t>
             </a:fld>
             <a:endParaRPr lang="en-US"/>
           </a:p>
@@ -1259,7 +1258,7 @@
           <a:p>
             <a:fld id="{3AF8BBF1-0960-4F0E-BBD3-56792029CCDE}" type="datetimeFigureOut">
               <a:rPr lang="en-US" smtClean="0"/>
-              <a:t>5/11/2017</a:t>
+              <a:t>5/12/2017</a:t>
             </a:fld>
             <a:endParaRPr lang="en-US"/>
           </a:p>
@@ -1554,7 +1553,7 @@
           <a:p>
             <a:fld id="{3AF8BBF1-0960-4F0E-BBD3-56792029CCDE}" type="datetimeFigureOut">
               <a:rPr lang="en-US" smtClean="0"/>
-              <a:t>5/11/2017</a:t>
+              <a:t>5/12/2017</a:t>
             </a:fld>
             <a:endParaRPr lang="en-US"/>
           </a:p>
@@ -1826,7 +1825,7 @@
           <a:p>
             <a:fld id="{3AF8BBF1-0960-4F0E-BBD3-56792029CCDE}" type="datetimeFigureOut">
               <a:rPr lang="en-US" smtClean="0"/>
-              <a:t>5/11/2017</a:t>
+              <a:t>5/12/2017</a:t>
             </a:fld>
             <a:endParaRPr lang="en-US"/>
           </a:p>
@@ -2233,7 +2232,7 @@
           <a:p>
             <a:fld id="{3AF8BBF1-0960-4F0E-BBD3-56792029CCDE}" type="datetimeFigureOut">
               <a:rPr lang="en-US" smtClean="0"/>
-              <a:t>5/11/2017</a:t>
+              <a:t>5/12/2017</a:t>
             </a:fld>
             <a:endParaRPr lang="en-US"/>
           </a:p>
@@ -2351,7 +2350,7 @@
           <a:p>
             <a:fld id="{3AF8BBF1-0960-4F0E-BBD3-56792029CCDE}" type="datetimeFigureOut">
               <a:rPr lang="en-US" smtClean="0"/>
-              <a:t>5/11/2017</a:t>
+              <a:t>5/12/2017</a:t>
             </a:fld>
             <a:endParaRPr lang="en-US"/>
           </a:p>
@@ -2446,7 +2445,7 @@
           <a:p>
             <a:fld id="{3AF8BBF1-0960-4F0E-BBD3-56792029CCDE}" type="datetimeFigureOut">
               <a:rPr lang="en-US" smtClean="0"/>
-              <a:t>5/11/2017</a:t>
+              <a:t>5/12/2017</a:t>
             </a:fld>
             <a:endParaRPr lang="en-US"/>
           </a:p>
@@ -2736,7 +2735,7 @@
           <a:p>
             <a:fld id="{3AF8BBF1-0960-4F0E-BBD3-56792029CCDE}" type="datetimeFigureOut">
               <a:rPr lang="en-US" smtClean="0"/>
-              <a:t>5/11/2017</a:t>
+              <a:t>5/12/2017</a:t>
             </a:fld>
             <a:endParaRPr lang="en-US"/>
           </a:p>
@@ -3016,7 +3015,7 @@
           <a:p>
             <a:fld id="{3AF8BBF1-0960-4F0E-BBD3-56792029CCDE}" type="datetimeFigureOut">
               <a:rPr lang="en-US" smtClean="0"/>
-              <a:t>5/11/2017</a:t>
+              <a:t>5/12/2017</a:t>
             </a:fld>
             <a:endParaRPr lang="en-US"/>
           </a:p>
@@ -3276,7 +3275,7 @@
                 </a:solidFill>
               </a:rPr>
               <a:pPr/>
-              <a:t>2017/5/11</a:t>
+              <a:t>2017/5/12</a:t>
             </a:fld>
             <a:endParaRPr lang="zh-TW" altLang="en-US">
               <a:solidFill>
@@ -4310,21 +4309,67 @@
             </a:r>
           </a:p>
           <a:p>
+            <a:pPr lvl="1">
+              <a:buFont typeface="Wingdings" panose="05000000000000000000" pitchFamily="2" charset="2"/>
+              <a:buChar char="§"/>
+            </a:pPr>
+            <a:r>
+              <a:rPr lang="en-US" sz="2400" dirty="0" smtClean="0"/>
+              <a:t>Gameplay UI</a:t>
+            </a:r>
+          </a:p>
+          <a:p>
+            <a:pPr lvl="1">
+              <a:buFont typeface="Wingdings" panose="05000000000000000000" pitchFamily="2" charset="2"/>
+              <a:buChar char="§"/>
+            </a:pPr>
+            <a:r>
+              <a:rPr lang="en-US" sz="2400" dirty="0" smtClean="0"/>
+              <a:t>Dialogue system</a:t>
+            </a:r>
+          </a:p>
+          <a:p>
             <a:pPr>
               <a:buFont typeface="Wingdings" panose="05000000000000000000" pitchFamily="2" charset="2"/>
               <a:buChar char="§"/>
             </a:pPr>
             <a:r>
               <a:rPr lang="en-US" sz="2800" dirty="0" smtClean="0"/>
-              <a:t>Change from database login to </a:t>
-            </a:r>
-            <a:r>
-              <a:rPr lang="en-US" sz="2800" dirty="0" err="1" smtClean="0"/>
-              <a:t>facebook</a:t>
+              <a:t>Make </a:t>
             </a:r>
             <a:r>
               <a:rPr lang="en-US" sz="2800" dirty="0" smtClean="0"/>
-              <a:t> login</a:t>
+              <a:t>viewing on mobile </a:t>
+            </a:r>
+            <a:r>
+              <a:rPr lang="en-US" sz="2800" dirty="0" smtClean="0"/>
+              <a:t>number 1 </a:t>
+            </a:r>
+            <a:r>
+              <a:rPr lang="en-US" sz="2800" dirty="0" smtClean="0"/>
+              <a:t>priority</a:t>
+            </a:r>
+          </a:p>
+          <a:p>
+            <a:pPr lvl="1">
+              <a:buFont typeface="Wingdings" panose="05000000000000000000" pitchFamily="2" charset="2"/>
+              <a:buChar char="§"/>
+            </a:pPr>
+            <a:r>
+              <a:rPr lang="en-US" sz="2400" dirty="0" err="1"/>
+              <a:t>S</a:t>
+            </a:r>
+            <a:r>
+              <a:rPr lang="en-US" sz="2400" dirty="0" err="1" smtClean="0"/>
+              <a:t>idescrolling</a:t>
+            </a:r>
+            <a:r>
+              <a:rPr lang="en-US" sz="2400" dirty="0" smtClean="0"/>
+              <a:t> speed may differ depending on display </a:t>
+            </a:r>
+            <a:r>
+              <a:rPr lang="en-US" sz="2400" dirty="0" smtClean="0"/>
+              <a:t>settings</a:t>
             </a:r>
           </a:p>
           <a:p>
@@ -4334,33 +4379,33 @@
             </a:pPr>
             <a:r>
               <a:rPr lang="en-US" sz="2800" dirty="0" smtClean="0"/>
-              <a:t>Make viewing on mobile a priority</a:t>
-            </a:r>
-          </a:p>
-          <a:p>
-            <a:pPr lvl="1">
+              <a:t>Reconsider character animation method</a:t>
+            </a:r>
+          </a:p>
+          <a:p>
+            <a:pPr>
               <a:buFont typeface="Wingdings" panose="05000000000000000000" pitchFamily="2" charset="2"/>
               <a:buChar char="§"/>
             </a:pPr>
             <a:r>
-              <a:rPr lang="en-US" sz="2400" dirty="0" err="1"/>
-              <a:t>S</a:t>
-            </a:r>
-            <a:r>
-              <a:rPr lang="en-US" sz="2400" dirty="0" err="1" smtClean="0"/>
-              <a:t>idescrolling</a:t>
-            </a:r>
-            <a:r>
-              <a:rPr lang="en-US" sz="2400" dirty="0" smtClean="0"/>
-              <a:t> speed may differ depending on display settings</a:t>
-            </a:r>
-          </a:p>
-          <a:p>
-            <a:pPr marL="128016" lvl="1" indent="0">
-              <a:buFont typeface="Wingdings 3" pitchFamily="18" charset="2"/>
-              <a:buNone/>
+              <a:rPr lang="en-US" sz="2800" dirty="0" smtClean="0"/>
+              <a:t>Consider </a:t>
+            </a:r>
+            <a:r>
+              <a:rPr lang="en-US" sz="2800" dirty="0" err="1"/>
+              <a:t>facebook</a:t>
+            </a:r>
+            <a:r>
+              <a:rPr lang="en-US" sz="2800" dirty="0"/>
+              <a:t> login as option</a:t>
+            </a:r>
+          </a:p>
+          <a:p>
+            <a:pPr>
+              <a:buFont typeface="Wingdings" panose="05000000000000000000" pitchFamily="2" charset="2"/>
+              <a:buChar char="§"/>
             </a:pPr>
-            <a:endParaRPr lang="en-US" sz="2400" dirty="0" smtClean="0"/>
+            <a:endParaRPr lang="en-US" sz="2800" dirty="0" smtClean="0"/>
           </a:p>
           <a:p>
             <a:pPr>
@@ -4394,6 +4439,14 @@
 <file path=ppt/slides/slide11.xml><?xml version="1.0" encoding="utf-8"?>
 <p:sld xmlns:a="http://schemas.openxmlformats.org/drawingml/2006/main" xmlns:r="http://schemas.openxmlformats.org/officeDocument/2006/relationships" xmlns:p="http://schemas.openxmlformats.org/presentationml/2006/main">
   <p:cSld>
+    <p:bg>
+      <p:bgPr>
+        <a:solidFill>
+          <a:srgbClr val="DCDB45"/>
+        </a:solidFill>
+        <a:effectLst/>
+      </p:bgPr>
+    </p:bg>
     <p:spTree>
       <p:nvGrpSpPr>
         <p:cNvPr id="1" name=""/>
@@ -4415,10 +4468,15 @@
             <a:spLocks noGrp="1"/>
           </p:cNvSpPr>
           <p:nvPr>
-            <p:ph type="title"/>
-          </p:nvPr>
-        </p:nvSpPr>
-        <p:spPr/>
+            <p:ph type="ctrTitle"/>
+          </p:nvPr>
+        </p:nvSpPr>
+        <p:spPr>
+          <a:xfrm>
+            <a:off x="2741613" y="5467650"/>
+            <a:ext cx="8915399" cy="795269"/>
+          </a:xfrm>
+        </p:spPr>
         <p:txBody>
           <a:bodyPr>
             <a:normAutofit/>
@@ -4426,27 +4484,26 @@
           <a:lstStyle/>
           <a:p>
             <a:r>
-              <a:rPr lang="en-US" sz="4500" dirty="0" smtClean="0"/>
-              <a:t>Demonstration</a:t>
-            </a:r>
-            <a:endParaRPr lang="en-US" sz="4500" dirty="0"/>
-          </a:p>
-        </p:txBody>
-      </p:sp>
-      <p:sp>
-        <p:nvSpPr>
-          <p:cNvPr id="3" name="Content Placeholder 2"/>
-          <p:cNvSpPr>
-            <a:spLocks noGrp="1"/>
-          </p:cNvSpPr>
-          <p:nvPr>
-            <p:ph idx="1"/>
+              <a:rPr lang="en-US" dirty="0"/>
+              <a:t>Fork and Potato: The RPG</a:t>
+            </a:r>
+          </a:p>
+        </p:txBody>
+      </p:sp>
+      <p:sp>
+        <p:nvSpPr>
+          <p:cNvPr id="3" name="Subtitle 2"/>
+          <p:cNvSpPr>
+            <a:spLocks noGrp="1"/>
+          </p:cNvSpPr>
+          <p:nvPr>
+            <p:ph type="subTitle" idx="1"/>
           </p:nvPr>
         </p:nvSpPr>
         <p:spPr>
           <a:xfrm>
-            <a:off x="1024128" y="1828800"/>
-            <a:ext cx="9720071" cy="4615543"/>
+            <a:off x="380585" y="4354360"/>
+            <a:ext cx="5724793" cy="2503640"/>
           </a:xfrm>
         </p:spPr>
         <p:txBody>
@@ -4455,44 +4512,110 @@
           </a:bodyPr>
           <a:lstStyle/>
           <a:p>
-            <a:pPr>
-              <a:buFont typeface="Wingdings" panose="05000000000000000000" pitchFamily="2" charset="2"/>
-              <a:buChar char="§"/>
-            </a:pPr>
-            <a:endParaRPr lang="en-US" sz="2400" dirty="0"/>
-          </a:p>
-          <a:p>
-            <a:pPr>
-              <a:buFont typeface="Wingdings" panose="05000000000000000000" pitchFamily="2" charset="2"/>
-              <a:buChar char="§"/>
-            </a:pPr>
-            <a:endParaRPr lang="en-US" sz="2800" dirty="0" smtClean="0"/>
-          </a:p>
-          <a:p>
-            <a:pPr marL="128016" lvl="1" indent="0">
+            <a:r>
+              <a:rPr lang="en-US" sz="2000" b="1" dirty="0"/>
+              <a:t>Group 37</a:t>
+            </a:r>
+          </a:p>
+          <a:p>
+            <a:r>
+              <a:rPr lang="en-US" sz="2000" dirty="0"/>
+              <a:t>Nick Milton</a:t>
+            </a:r>
+          </a:p>
+          <a:p>
+            <a:r>
+              <a:rPr lang="en-US" sz="2000" dirty="0"/>
+              <a:t>Stephanie Reed</a:t>
+            </a:r>
+          </a:p>
+          <a:p>
+            <a:r>
+              <a:rPr lang="en-US" sz="2000" dirty="0"/>
+              <a:t>Simon Chen</a:t>
+            </a:r>
+          </a:p>
+          <a:p>
+            <a:r>
+              <a:rPr lang="en-US" sz="2000" dirty="0"/>
+              <a:t>Adam Shu</a:t>
+            </a:r>
+          </a:p>
+          <a:p>
+            <a:r>
+              <a:rPr lang="en-US" sz="2000" dirty="0"/>
+              <a:t>Sean </a:t>
+            </a:r>
+            <a:r>
+              <a:rPr lang="en-US" sz="2000" dirty="0" err="1"/>
+              <a:t>Miyaoka</a:t>
+            </a:r>
+            <a:endParaRPr lang="en-US" sz="2000" dirty="0"/>
+          </a:p>
+        </p:txBody>
+      </p:sp>
+      <p:sp>
+        <p:nvSpPr>
+          <p:cNvPr id="5" name="Title 1"/>
+          <p:cNvSpPr txBox="1">
+            <a:spLocks/>
+          </p:cNvSpPr>
+          <p:nvPr/>
+        </p:nvSpPr>
+        <p:spPr>
+          <a:xfrm>
+            <a:off x="3412901" y="1193629"/>
+            <a:ext cx="8435662" cy="3091290"/>
+          </a:xfrm>
+          <a:prstGeom prst="rect">
+            <a:avLst/>
+          </a:prstGeom>
+        </p:spPr>
+        <p:txBody>
+          <a:bodyPr vert="horz" lIns="91440" tIns="45720" rIns="91440" bIns="45720" rtlCol="0" anchor="ctr">
+            <a:noAutofit/>
+          </a:bodyPr>
+          <a:lstStyle>
+            <a:lvl1pPr algn="r" defTabSz="914400" rtl="0" eaLnBrk="1" latinLnBrk="0" hangingPunct="1">
+              <a:lnSpc>
+                <a:spcPct val="80000"/>
+              </a:lnSpc>
+              <a:spcBef>
+                <a:spcPct val="0"/>
+              </a:spcBef>
               <a:buNone/>
-            </a:pPr>
-            <a:endParaRPr lang="en-US" sz="2400" dirty="0" smtClean="0"/>
-          </a:p>
-          <a:p>
-            <a:pPr>
-              <a:buFont typeface="Wingdings" panose="05000000000000000000" pitchFamily="2" charset="2"/>
-              <a:buChar char="§"/>
-            </a:pPr>
-            <a:endParaRPr lang="en-US" sz="2800" dirty="0"/>
+              <a:defRPr sz="5000" kern="1200" cap="all" spc="200" baseline="0">
+                <a:solidFill>
+                  <a:schemeClr val="tx1">
+                    <a:lumMod val="90000"/>
+                    <a:lumOff val="10000"/>
+                  </a:schemeClr>
+                </a:solidFill>
+                <a:latin typeface="+mj-lt"/>
+                <a:ea typeface="+mj-ea"/>
+                <a:cs typeface="+mj-cs"/>
+              </a:defRPr>
+            </a:lvl1pPr>
+          </a:lstStyle>
+          <a:p>
+            <a:r>
+              <a:rPr lang="en-US" sz="8000" dirty="0" smtClean="0"/>
+              <a:t>Demo &amp; Questions</a:t>
+            </a:r>
+            <a:endParaRPr lang="en-US" sz="8000" dirty="0"/>
           </a:p>
         </p:txBody>
       </p:sp>
       <p:pic>
         <p:nvPicPr>
-          <p:cNvPr id="4" name="Picture 3"/>
+          <p:cNvPr id="6" name="Picture 5"/>
           <p:cNvPicPr>
             <a:picLocks noChangeAspect="1"/>
           </p:cNvPicPr>
           <p:nvPr/>
         </p:nvPicPr>
         <p:blipFill>
-          <a:blip r:embed="rId2" cstate="print">
+          <a:blip r:embed="rId2">
             <a:extLst>
               <a:ext uri="{28A0092B-C50C-407E-A947-70E740481C1C}">
                 <a14:useLocalDpi xmlns:a14="http://schemas.microsoft.com/office/drawing/2010/main" val="0"/>
@@ -4505,17 +4628,77 @@
         </p:blipFill>
         <p:spPr>
           <a:xfrm>
-            <a:off x="9108830" y="585216"/>
-            <a:ext cx="2004646" cy="2004646"/>
+            <a:off x="1932167" y="1193628"/>
+            <a:ext cx="2867025" cy="2867025"/>
           </a:xfrm>
           <a:prstGeom prst="rect">
             <a:avLst/>
           </a:prstGeom>
         </p:spPr>
       </p:pic>
-      <p:sp>
-        <p:nvSpPr>
-          <p:cNvPr id="6" name="TextBox 5"/>
+    </p:spTree>
+    <p:extLst>
+      <p:ext uri="{BB962C8B-B14F-4D97-AF65-F5344CB8AC3E}">
+        <p14:creationId xmlns:p14="http://schemas.microsoft.com/office/powerpoint/2010/main" val="1365905090"/>
+      </p:ext>
+    </p:extLst>
+  </p:cSld>
+  <p:clrMapOvr>
+    <a:masterClrMapping/>
+  </p:clrMapOvr>
+  <p:timing>
+    <p:tnLst>
+      <p:par>
+        <p:cTn id="1" dur="indefinite" restart="never" nodeType="tmRoot"/>
+      </p:par>
+    </p:tnLst>
+  </p:timing>
+</p:sld>
+</file>
+
+<file path=ppt/slides/slide2.xml><?xml version="1.0" encoding="utf-8"?>
+<p:sld xmlns:a="http://schemas.openxmlformats.org/drawingml/2006/main" xmlns:r="http://schemas.openxmlformats.org/officeDocument/2006/relationships" xmlns:p="http://schemas.openxmlformats.org/presentationml/2006/main">
+  <p:cSld>
+    <p:spTree>
+      <p:nvGrpSpPr>
+        <p:cNvPr id="1" name=""/>
+        <p:cNvGrpSpPr/>
+        <p:nvPr/>
+      </p:nvGrpSpPr>
+      <p:grpSpPr>
+        <a:xfrm>
+          <a:off x="0" y="0"/>
+          <a:ext cx="0" cy="0"/>
+          <a:chOff x="0" y="0"/>
+          <a:chExt cx="0" cy="0"/>
+        </a:xfrm>
+      </p:grpSpPr>
+      <p:sp>
+        <p:nvSpPr>
+          <p:cNvPr id="2" name="Title 1"/>
+          <p:cNvSpPr>
+            <a:spLocks noGrp="1"/>
+          </p:cNvSpPr>
+          <p:nvPr>
+            <p:ph type="title"/>
+          </p:nvPr>
+        </p:nvSpPr>
+        <p:spPr/>
+        <p:txBody>
+          <a:bodyPr/>
+          <a:lstStyle/>
+          <a:p>
+            <a:r>
+              <a:rPr lang="en-US" dirty="0" smtClean="0"/>
+              <a:t>Educational RPG</a:t>
+            </a:r>
+            <a:endParaRPr lang="en-US" dirty="0"/>
+          </a:p>
+        </p:txBody>
+      </p:sp>
+      <p:sp>
+        <p:nvSpPr>
+          <p:cNvPr id="12" name="TextBox 11"/>
           <p:cNvSpPr txBox="1"/>
           <p:nvPr/>
         </p:nvSpPr>
@@ -4541,9 +4724,38 @@
           </a:p>
         </p:txBody>
       </p:sp>
-      <p:sp>
-        <p:nvSpPr>
-          <p:cNvPr id="7" name="Content Placeholder 2"/>
+      <p:pic>
+        <p:nvPicPr>
+          <p:cNvPr id="4" name="Content Placeholder 3"/>
+          <p:cNvPicPr>
+            <a:picLocks noGrp="1" noChangeAspect="1"/>
+          </p:cNvPicPr>
+          <p:nvPr>
+            <p:ph idx="1"/>
+          </p:nvPr>
+        </p:nvPicPr>
+        <p:blipFill>
+          <a:blip r:embed="rId2">
+            <a:extLst>
+              <a:ext uri="{28A0092B-C50C-407E-A947-70E740481C1C}">
+                <a14:useLocalDpi xmlns:a14="http://schemas.microsoft.com/office/drawing/2010/main" val="0"/>
+              </a:ext>
+            </a:extLst>
+          </a:blip>
+          <a:stretch>
+            <a:fillRect/>
+          </a:stretch>
+        </p:blipFill>
+        <p:spPr>
+          <a:xfrm>
+            <a:off x="7205143" y="1459626"/>
+            <a:ext cx="3899179" cy="4457867"/>
+          </a:xfrm>
+        </p:spPr>
+      </p:pic>
+      <p:sp>
+        <p:nvSpPr>
+          <p:cNvPr id="9" name="Content Placeholder 2"/>
           <p:cNvSpPr txBox="1">
             <a:spLocks/>
           </p:cNvSpPr>
@@ -4551,8 +4763,8 @@
         </p:nvSpPr>
         <p:spPr>
           <a:xfrm>
-            <a:off x="1176528" y="1981200"/>
-            <a:ext cx="9720071" cy="4615543"/>
+            <a:off x="1024128" y="1918952"/>
+            <a:ext cx="6181015" cy="4390408"/>
           </a:xfrm>
           <a:prstGeom prst="rect">
             <a:avLst/>
@@ -4782,639 +4994,6 @@
             </a:lvl9pPr>
           </a:lstStyle>
           <a:p>
-            <a:pPr>
-              <a:buFont typeface="Wingdings" panose="05000000000000000000" pitchFamily="2" charset="2"/>
-              <a:buChar char="§"/>
-            </a:pPr>
-            <a:endParaRPr lang="en-US" sz="2800" u="sng" dirty="0" smtClean="0">
-              <a:hlinkClick r:id="rId3" tooltip="http://students.bcitdev.com/A00863917/G37/index.html"/>
-            </a:endParaRPr>
-          </a:p>
-          <a:p>
-            <a:pPr>
-              <a:buFont typeface="Wingdings" panose="05000000000000000000" pitchFamily="2" charset="2"/>
-              <a:buChar char="§"/>
-            </a:pPr>
-            <a:endParaRPr lang="en-US" sz="2800" u="sng" dirty="0">
-              <a:hlinkClick r:id="rId3" tooltip="http://students.bcitdev.com/A00863917/G37/index.html"/>
-            </a:endParaRPr>
-          </a:p>
-          <a:p>
-            <a:pPr marL="0" indent="0">
-              <a:buNone/>
-            </a:pPr>
-            <a:endParaRPr lang="en-US" sz="2800" u="sng" dirty="0">
-              <a:hlinkClick r:id="rId3" tooltip="http://students.bcitdev.com/A00863917/G37/index.html"/>
-            </a:endParaRPr>
-          </a:p>
-          <a:p>
-            <a:r>
-              <a:rPr lang="en-US" sz="2800" u="sng" dirty="0" smtClean="0">
-                <a:hlinkClick r:id="rId3" tooltip="http://students.bcitdev.com/A00863917/G37/index.html"/>
-              </a:rPr>
-              <a:t>http</a:t>
-            </a:r>
-            <a:r>
-              <a:rPr lang="en-US" sz="2800" u="sng" dirty="0">
-                <a:hlinkClick r:id="rId3" tooltip="http://students.bcitdev.com/A00863917/G37/index.html"/>
-              </a:rPr>
-              <a:t>://students.bcitdev.com/A00863917/G37/index.html</a:t>
-            </a:r>
-            <a:endParaRPr lang="en-US" sz="2800" dirty="0" smtClean="0"/>
-          </a:p>
-          <a:p>
-            <a:pPr marL="128016" lvl="1" indent="0">
-              <a:buFont typeface="Wingdings 3" pitchFamily="18" charset="2"/>
-              <a:buNone/>
-            </a:pPr>
-            <a:endParaRPr lang="en-US" sz="2400" dirty="0" smtClean="0"/>
-          </a:p>
-          <a:p>
-            <a:pPr>
-              <a:buFont typeface="Wingdings" panose="05000000000000000000" pitchFamily="2" charset="2"/>
-              <a:buChar char="§"/>
-            </a:pPr>
-            <a:endParaRPr lang="en-US" sz="2800" dirty="0"/>
-          </a:p>
-        </p:txBody>
-      </p:sp>
-    </p:spTree>
-    <p:extLst>
-      <p:ext uri="{BB962C8B-B14F-4D97-AF65-F5344CB8AC3E}">
-        <p14:creationId xmlns:p14="http://schemas.microsoft.com/office/powerpoint/2010/main" val="1688262245"/>
-      </p:ext>
-    </p:extLst>
-  </p:cSld>
-  <p:clrMapOvr>
-    <a:masterClrMapping/>
-  </p:clrMapOvr>
-  <p:timing>
-    <p:tnLst>
-      <p:par>
-        <p:cTn id="1" dur="indefinite" restart="never" nodeType="tmRoot"/>
-      </p:par>
-    </p:tnLst>
-  </p:timing>
-</p:sld>
-</file>
-
-<file path=ppt/slides/slide12.xml><?xml version="1.0" encoding="utf-8"?>
-<p:sld xmlns:a="http://schemas.openxmlformats.org/drawingml/2006/main" xmlns:r="http://schemas.openxmlformats.org/officeDocument/2006/relationships" xmlns:p="http://schemas.openxmlformats.org/presentationml/2006/main">
-  <p:cSld>
-    <p:bg>
-      <p:bgPr>
-        <a:solidFill>
-          <a:srgbClr val="DCDB45"/>
-        </a:solidFill>
-        <a:effectLst/>
-      </p:bgPr>
-    </p:bg>
-    <p:spTree>
-      <p:nvGrpSpPr>
-        <p:cNvPr id="1" name=""/>
-        <p:cNvGrpSpPr/>
-        <p:nvPr/>
-      </p:nvGrpSpPr>
-      <p:grpSpPr>
-        <a:xfrm>
-          <a:off x="0" y="0"/>
-          <a:ext cx="0" cy="0"/>
-          <a:chOff x="0" y="0"/>
-          <a:chExt cx="0" cy="0"/>
-        </a:xfrm>
-      </p:grpSpPr>
-      <p:sp>
-        <p:nvSpPr>
-          <p:cNvPr id="2" name="Title 1"/>
-          <p:cNvSpPr>
-            <a:spLocks noGrp="1"/>
-          </p:cNvSpPr>
-          <p:nvPr>
-            <p:ph type="ctrTitle"/>
-          </p:nvPr>
-        </p:nvSpPr>
-        <p:spPr>
-          <a:xfrm>
-            <a:off x="2741613" y="5467650"/>
-            <a:ext cx="8915399" cy="795269"/>
-          </a:xfrm>
-        </p:spPr>
-        <p:txBody>
-          <a:bodyPr>
-            <a:normAutofit/>
-          </a:bodyPr>
-          <a:lstStyle/>
-          <a:p>
-            <a:r>
-              <a:rPr lang="en-US" dirty="0"/>
-              <a:t>Fork and Potato: The RPG</a:t>
-            </a:r>
-          </a:p>
-        </p:txBody>
-      </p:sp>
-      <p:sp>
-        <p:nvSpPr>
-          <p:cNvPr id="3" name="Subtitle 2"/>
-          <p:cNvSpPr>
-            <a:spLocks noGrp="1"/>
-          </p:cNvSpPr>
-          <p:nvPr>
-            <p:ph type="subTitle" idx="1"/>
-          </p:nvPr>
-        </p:nvSpPr>
-        <p:spPr>
-          <a:xfrm>
-            <a:off x="380585" y="4354360"/>
-            <a:ext cx="5724793" cy="2503640"/>
-          </a:xfrm>
-        </p:spPr>
-        <p:txBody>
-          <a:bodyPr>
-            <a:normAutofit/>
-          </a:bodyPr>
-          <a:lstStyle/>
-          <a:p>
-            <a:r>
-              <a:rPr lang="en-US" sz="2000" b="1" dirty="0"/>
-              <a:t>Group 37</a:t>
-            </a:r>
-          </a:p>
-          <a:p>
-            <a:r>
-              <a:rPr lang="en-US" sz="2000" dirty="0"/>
-              <a:t>Nick Milton</a:t>
-            </a:r>
-          </a:p>
-          <a:p>
-            <a:r>
-              <a:rPr lang="en-US" sz="2000" dirty="0"/>
-              <a:t>Stephanie Reed</a:t>
-            </a:r>
-          </a:p>
-          <a:p>
-            <a:r>
-              <a:rPr lang="en-US" sz="2000" dirty="0"/>
-              <a:t>Simon Chen</a:t>
-            </a:r>
-          </a:p>
-          <a:p>
-            <a:r>
-              <a:rPr lang="en-US" sz="2000" dirty="0"/>
-              <a:t>Adam Shu</a:t>
-            </a:r>
-          </a:p>
-          <a:p>
-            <a:r>
-              <a:rPr lang="en-US" sz="2000" dirty="0"/>
-              <a:t>Sean </a:t>
-            </a:r>
-            <a:r>
-              <a:rPr lang="en-US" sz="2000" dirty="0" err="1"/>
-              <a:t>Miyaoka</a:t>
-            </a:r>
-            <a:endParaRPr lang="en-US" sz="2000" dirty="0"/>
-          </a:p>
-        </p:txBody>
-      </p:sp>
-      <p:sp>
-        <p:nvSpPr>
-          <p:cNvPr id="5" name="Title 1"/>
-          <p:cNvSpPr txBox="1">
-            <a:spLocks/>
-          </p:cNvSpPr>
-          <p:nvPr/>
-        </p:nvSpPr>
-        <p:spPr>
-          <a:xfrm>
-            <a:off x="786204" y="1193629"/>
-            <a:ext cx="8915399" cy="795269"/>
-          </a:xfrm>
-          <a:prstGeom prst="rect">
-            <a:avLst/>
-          </a:prstGeom>
-        </p:spPr>
-        <p:txBody>
-          <a:bodyPr vert="horz" lIns="91440" tIns="45720" rIns="91440" bIns="45720" rtlCol="0" anchor="ctr">
-            <a:noAutofit/>
-          </a:bodyPr>
-          <a:lstStyle>
-            <a:lvl1pPr algn="r" defTabSz="914400" rtl="0" eaLnBrk="1" latinLnBrk="0" hangingPunct="1">
-              <a:lnSpc>
-                <a:spcPct val="80000"/>
-              </a:lnSpc>
-              <a:spcBef>
-                <a:spcPct val="0"/>
-              </a:spcBef>
-              <a:buNone/>
-              <a:defRPr sz="5000" kern="1200" cap="all" spc="200" baseline="0">
-                <a:solidFill>
-                  <a:schemeClr val="tx1">
-                    <a:lumMod val="90000"/>
-                    <a:lumOff val="10000"/>
-                  </a:schemeClr>
-                </a:solidFill>
-                <a:latin typeface="+mj-lt"/>
-                <a:ea typeface="+mj-ea"/>
-                <a:cs typeface="+mj-cs"/>
-              </a:defRPr>
-            </a:lvl1pPr>
-          </a:lstStyle>
-          <a:p>
-            <a:r>
-              <a:rPr lang="en-US" sz="8000" dirty="0"/>
-              <a:t>Questions?</a:t>
-            </a:r>
-          </a:p>
-        </p:txBody>
-      </p:sp>
-      <p:pic>
-        <p:nvPicPr>
-          <p:cNvPr id="6" name="Picture 5"/>
-          <p:cNvPicPr>
-            <a:picLocks noChangeAspect="1"/>
-          </p:cNvPicPr>
-          <p:nvPr/>
-        </p:nvPicPr>
-        <p:blipFill>
-          <a:blip r:embed="rId2">
-            <a:extLst>
-              <a:ext uri="{28A0092B-C50C-407E-A947-70E740481C1C}">
-                <a14:useLocalDpi xmlns:a14="http://schemas.microsoft.com/office/drawing/2010/main" val="0"/>
-              </a:ext>
-            </a:extLst>
-          </a:blip>
-          <a:stretch>
-            <a:fillRect/>
-          </a:stretch>
-        </p:blipFill>
-        <p:spPr>
-          <a:xfrm>
-            <a:off x="1932167" y="1193628"/>
-            <a:ext cx="2867025" cy="2867025"/>
-          </a:xfrm>
-          <a:prstGeom prst="rect">
-            <a:avLst/>
-          </a:prstGeom>
-        </p:spPr>
-      </p:pic>
-    </p:spTree>
-    <p:extLst>
-      <p:ext uri="{BB962C8B-B14F-4D97-AF65-F5344CB8AC3E}">
-        <p14:creationId xmlns:p14="http://schemas.microsoft.com/office/powerpoint/2010/main" val="1365905090"/>
-      </p:ext>
-    </p:extLst>
-  </p:cSld>
-  <p:clrMapOvr>
-    <a:masterClrMapping/>
-  </p:clrMapOvr>
-  <p:timing>
-    <p:tnLst>
-      <p:par>
-        <p:cTn id="1" dur="indefinite" restart="never" nodeType="tmRoot"/>
-      </p:par>
-    </p:tnLst>
-  </p:timing>
-</p:sld>
-</file>
-
-<file path=ppt/slides/slide2.xml><?xml version="1.0" encoding="utf-8"?>
-<p:sld xmlns:a="http://schemas.openxmlformats.org/drawingml/2006/main" xmlns:r="http://schemas.openxmlformats.org/officeDocument/2006/relationships" xmlns:p="http://schemas.openxmlformats.org/presentationml/2006/main">
-  <p:cSld>
-    <p:spTree>
-      <p:nvGrpSpPr>
-        <p:cNvPr id="1" name=""/>
-        <p:cNvGrpSpPr/>
-        <p:nvPr/>
-      </p:nvGrpSpPr>
-      <p:grpSpPr>
-        <a:xfrm>
-          <a:off x="0" y="0"/>
-          <a:ext cx="0" cy="0"/>
-          <a:chOff x="0" y="0"/>
-          <a:chExt cx="0" cy="0"/>
-        </a:xfrm>
-      </p:grpSpPr>
-      <p:sp>
-        <p:nvSpPr>
-          <p:cNvPr id="2" name="Title 1"/>
-          <p:cNvSpPr>
-            <a:spLocks noGrp="1"/>
-          </p:cNvSpPr>
-          <p:nvPr>
-            <p:ph type="title"/>
-          </p:nvPr>
-        </p:nvSpPr>
-        <p:spPr/>
-        <p:txBody>
-          <a:bodyPr/>
-          <a:lstStyle/>
-          <a:p>
-            <a:r>
-              <a:rPr lang="en-US" dirty="0" smtClean="0"/>
-              <a:t>Educational RPG</a:t>
-            </a:r>
-            <a:endParaRPr lang="en-US" dirty="0"/>
-          </a:p>
-        </p:txBody>
-      </p:sp>
-      <p:sp>
-        <p:nvSpPr>
-          <p:cNvPr id="12" name="TextBox 11"/>
-          <p:cNvSpPr txBox="1"/>
-          <p:nvPr/>
-        </p:nvSpPr>
-        <p:spPr>
-          <a:xfrm>
-            <a:off x="0" y="6189785"/>
-            <a:ext cx="12192000" cy="696351"/>
-          </a:xfrm>
-          <a:prstGeom prst="rect">
-            <a:avLst/>
-          </a:prstGeom>
-          <a:solidFill>
-            <a:srgbClr val="F1DD9E"/>
-          </a:solidFill>
-        </p:spPr>
-        <p:txBody>
-          <a:bodyPr wrap="square" rtlCol="0">
-            <a:spAutoFit/>
-          </a:bodyPr>
-          <a:lstStyle/>
-          <a:p>
-            <a:endParaRPr lang="en-US" dirty="0"/>
-          </a:p>
-        </p:txBody>
-      </p:sp>
-      <p:pic>
-        <p:nvPicPr>
-          <p:cNvPr id="4" name="Content Placeholder 3"/>
-          <p:cNvPicPr>
-            <a:picLocks noGrp="1" noChangeAspect="1"/>
-          </p:cNvPicPr>
-          <p:nvPr>
-            <p:ph idx="1"/>
-          </p:nvPr>
-        </p:nvPicPr>
-        <p:blipFill>
-          <a:blip r:embed="rId2">
-            <a:extLst>
-              <a:ext uri="{28A0092B-C50C-407E-A947-70E740481C1C}">
-                <a14:useLocalDpi xmlns:a14="http://schemas.microsoft.com/office/drawing/2010/main" val="0"/>
-              </a:ext>
-            </a:extLst>
-          </a:blip>
-          <a:stretch>
-            <a:fillRect/>
-          </a:stretch>
-        </p:blipFill>
-        <p:spPr>
-          <a:xfrm>
-            <a:off x="7205143" y="1459626"/>
-            <a:ext cx="3899179" cy="4457867"/>
-          </a:xfrm>
-        </p:spPr>
-      </p:pic>
-      <p:sp>
-        <p:nvSpPr>
-          <p:cNvPr id="9" name="Content Placeholder 2"/>
-          <p:cNvSpPr txBox="1">
-            <a:spLocks/>
-          </p:cNvSpPr>
-          <p:nvPr/>
-        </p:nvSpPr>
-        <p:spPr>
-          <a:xfrm>
-            <a:off x="1024128" y="1918952"/>
-            <a:ext cx="6181015" cy="4390408"/>
-          </a:xfrm>
-          <a:prstGeom prst="rect">
-            <a:avLst/>
-          </a:prstGeom>
-        </p:spPr>
-        <p:txBody>
-          <a:bodyPr vert="horz" lIns="45720" tIns="45720" rIns="45720" bIns="45720" rtlCol="0">
-            <a:normAutofit/>
-          </a:bodyPr>
-          <a:lstStyle>
-            <a:lvl1pPr marL="91440" indent="-91440" algn="l" defTabSz="914400" rtl="0" eaLnBrk="1" latinLnBrk="0" hangingPunct="1">
-              <a:lnSpc>
-                <a:spcPct val="90000"/>
-              </a:lnSpc>
-              <a:spcBef>
-                <a:spcPts val="1200"/>
-              </a:spcBef>
-              <a:spcAft>
-                <a:spcPts val="200"/>
-              </a:spcAft>
-              <a:buClr>
-                <a:schemeClr val="accent2"/>
-              </a:buClr>
-              <a:buSzPct val="100000"/>
-              <a:buFont typeface="Tw Cen MT" panose="020B0602020104020603" pitchFamily="34" charset="0"/>
-              <a:buChar char=" "/>
-              <a:defRPr sz="2200" kern="1200">
-                <a:solidFill>
-                  <a:schemeClr val="tx1"/>
-                </a:solidFill>
-                <a:latin typeface="+mn-lt"/>
-                <a:ea typeface="+mn-ea"/>
-                <a:cs typeface="+mn-cs"/>
-              </a:defRPr>
-            </a:lvl1pPr>
-            <a:lvl2pPr marL="265176" indent="-137160" algn="l" defTabSz="914400" rtl="0" eaLnBrk="1" latinLnBrk="0" hangingPunct="1">
-              <a:lnSpc>
-                <a:spcPct val="90000"/>
-              </a:lnSpc>
-              <a:spcBef>
-                <a:spcPts val="200"/>
-              </a:spcBef>
-              <a:spcAft>
-                <a:spcPts val="400"/>
-              </a:spcAft>
-              <a:buClr>
-                <a:schemeClr val="accent2"/>
-              </a:buClr>
-              <a:buFont typeface="Wingdings 3" pitchFamily="18" charset="2"/>
-              <a:buChar char=""/>
-              <a:defRPr sz="1800" kern="1200">
-                <a:solidFill>
-                  <a:schemeClr val="tx1"/>
-                </a:solidFill>
-                <a:latin typeface="+mn-lt"/>
-                <a:ea typeface="+mn-ea"/>
-                <a:cs typeface="+mn-cs"/>
-              </a:defRPr>
-            </a:lvl2pPr>
-            <a:lvl3pPr marL="448056" indent="-137160" algn="l" defTabSz="914400" rtl="0" eaLnBrk="1" latinLnBrk="0" hangingPunct="1">
-              <a:lnSpc>
-                <a:spcPct val="90000"/>
-              </a:lnSpc>
-              <a:spcBef>
-                <a:spcPts val="200"/>
-              </a:spcBef>
-              <a:spcAft>
-                <a:spcPts val="400"/>
-              </a:spcAft>
-              <a:buClr>
-                <a:schemeClr val="accent2"/>
-              </a:buClr>
-              <a:buFont typeface="Wingdings 3" pitchFamily="18" charset="2"/>
-              <a:buChar char=""/>
-              <a:defRPr sz="1400" kern="1200">
-                <a:solidFill>
-                  <a:schemeClr val="tx1"/>
-                </a:solidFill>
-                <a:latin typeface="+mn-lt"/>
-                <a:ea typeface="+mn-ea"/>
-                <a:cs typeface="+mn-cs"/>
-              </a:defRPr>
-            </a:lvl3pPr>
-            <a:lvl4pPr marL="594360" indent="-137160" algn="l" defTabSz="914400" rtl="0" eaLnBrk="1" latinLnBrk="0" hangingPunct="1">
-              <a:lnSpc>
-                <a:spcPct val="90000"/>
-              </a:lnSpc>
-              <a:spcBef>
-                <a:spcPts val="200"/>
-              </a:spcBef>
-              <a:spcAft>
-                <a:spcPts val="400"/>
-              </a:spcAft>
-              <a:buClr>
-                <a:schemeClr val="accent2"/>
-              </a:buClr>
-              <a:buFont typeface="Wingdings 3" pitchFamily="18" charset="2"/>
-              <a:buChar char=""/>
-              <a:defRPr sz="1400" kern="1200">
-                <a:solidFill>
-                  <a:schemeClr val="tx1"/>
-                </a:solidFill>
-                <a:latin typeface="+mn-lt"/>
-                <a:ea typeface="+mn-ea"/>
-                <a:cs typeface="+mn-cs"/>
-              </a:defRPr>
-            </a:lvl4pPr>
-            <a:lvl5pPr marL="777240" indent="-137160" algn="l" defTabSz="914400" rtl="0" eaLnBrk="1" latinLnBrk="0" hangingPunct="1">
-              <a:lnSpc>
-                <a:spcPct val="90000"/>
-              </a:lnSpc>
-              <a:spcBef>
-                <a:spcPts val="200"/>
-              </a:spcBef>
-              <a:spcAft>
-                <a:spcPts val="400"/>
-              </a:spcAft>
-              <a:buClr>
-                <a:schemeClr val="accent2"/>
-              </a:buClr>
-              <a:buFont typeface="Wingdings 3" pitchFamily="18" charset="2"/>
-              <a:buChar char=""/>
-              <a:defRPr sz="1400" kern="1200">
-                <a:solidFill>
-                  <a:schemeClr val="tx1"/>
-                </a:solidFill>
-                <a:latin typeface="+mn-lt"/>
-                <a:ea typeface="+mn-ea"/>
-                <a:cs typeface="+mn-cs"/>
-              </a:defRPr>
-            </a:lvl5pPr>
-            <a:lvl6pPr marL="914400" indent="-137160" algn="l" defTabSz="914400" rtl="0" eaLnBrk="1" latinLnBrk="0" hangingPunct="1">
-              <a:lnSpc>
-                <a:spcPct val="90000"/>
-              </a:lnSpc>
-              <a:spcBef>
-                <a:spcPts val="200"/>
-              </a:spcBef>
-              <a:spcAft>
-                <a:spcPts val="400"/>
-              </a:spcAft>
-              <a:buClr>
-                <a:schemeClr val="accent2"/>
-              </a:buClr>
-              <a:buFont typeface="Wingdings 3" pitchFamily="18" charset="2"/>
-              <a:buChar char=""/>
-              <a:defRPr sz="1400" kern="1200">
-                <a:solidFill>
-                  <a:schemeClr val="tx1"/>
-                </a:solidFill>
-                <a:latin typeface="+mn-lt"/>
-                <a:ea typeface="+mn-ea"/>
-                <a:cs typeface="+mn-cs"/>
-              </a:defRPr>
-            </a:lvl6pPr>
-            <a:lvl7pPr marL="1060704" indent="-137160" algn="l" defTabSz="914400" rtl="0" eaLnBrk="1" latinLnBrk="0" hangingPunct="1">
-              <a:lnSpc>
-                <a:spcPct val="90000"/>
-              </a:lnSpc>
-              <a:spcBef>
-                <a:spcPts val="200"/>
-              </a:spcBef>
-              <a:spcAft>
-                <a:spcPts val="400"/>
-              </a:spcAft>
-              <a:buClr>
-                <a:schemeClr val="accent2"/>
-              </a:buClr>
-              <a:buFont typeface="Wingdings 3" pitchFamily="18" charset="2"/>
-              <a:buChar char=""/>
-              <a:defRPr sz="1400" kern="1200">
-                <a:solidFill>
-                  <a:schemeClr val="tx1"/>
-                </a:solidFill>
-                <a:latin typeface="+mn-lt"/>
-                <a:ea typeface="+mn-ea"/>
-                <a:cs typeface="+mn-cs"/>
-              </a:defRPr>
-            </a:lvl7pPr>
-            <a:lvl8pPr marL="1216152" indent="-137160" algn="l" defTabSz="914400" rtl="0" eaLnBrk="1" latinLnBrk="0" hangingPunct="1">
-              <a:lnSpc>
-                <a:spcPct val="90000"/>
-              </a:lnSpc>
-              <a:spcBef>
-                <a:spcPts val="200"/>
-              </a:spcBef>
-              <a:spcAft>
-                <a:spcPts val="400"/>
-              </a:spcAft>
-              <a:buClr>
-                <a:schemeClr val="accent2"/>
-              </a:buClr>
-              <a:buFont typeface="Wingdings 3" pitchFamily="18" charset="2"/>
-              <a:buChar char=""/>
-              <a:defRPr sz="1400" kern="1200">
-                <a:solidFill>
-                  <a:schemeClr val="tx1"/>
-                </a:solidFill>
-                <a:latin typeface="+mn-lt"/>
-                <a:ea typeface="+mn-ea"/>
-                <a:cs typeface="+mn-cs"/>
-              </a:defRPr>
-            </a:lvl8pPr>
-            <a:lvl9pPr marL="1362456" indent="-137160" algn="l" defTabSz="914400" rtl="0" eaLnBrk="1" latinLnBrk="0" hangingPunct="1">
-              <a:lnSpc>
-                <a:spcPct val="90000"/>
-              </a:lnSpc>
-              <a:spcBef>
-                <a:spcPts val="200"/>
-              </a:spcBef>
-              <a:spcAft>
-                <a:spcPts val="400"/>
-              </a:spcAft>
-              <a:buClr>
-                <a:schemeClr val="accent2"/>
-              </a:buClr>
-              <a:buFont typeface="Wingdings 3" pitchFamily="18" charset="2"/>
-              <a:buChar char=""/>
-              <a:defRPr sz="1400" kern="1200">
-                <a:solidFill>
-                  <a:schemeClr val="tx1"/>
-                </a:solidFill>
-                <a:latin typeface="+mn-lt"/>
-                <a:ea typeface="+mn-ea"/>
-                <a:cs typeface="+mn-cs"/>
-              </a:defRPr>
-            </a:lvl9pPr>
-          </a:lstStyle>
-          <a:p>
             <a:pPr fontAlgn="base">
               <a:buFont typeface="Wingdings" panose="05000000000000000000" pitchFamily="2" charset="2"/>
               <a:buChar char="v"/>
@@ -5604,7 +5183,11 @@
           <a:p>
             <a:r>
               <a:rPr lang="en-US" sz="4500" dirty="0" smtClean="0"/>
-              <a:t>Weekly Challenge - Affiliates page</a:t>
+              <a:t>Artwork and UI </a:t>
+            </a:r>
+            <a:r>
+              <a:rPr lang="en-US" sz="4500" dirty="0" smtClean="0"/>
+              <a:t>– Tasks Completed</a:t>
             </a:r>
             <a:endParaRPr lang="en-US" sz="4500" dirty="0"/>
           </a:p>
@@ -5620,7 +5203,12 @@
             <p:ph idx="1"/>
           </p:nvPr>
         </p:nvSpPr>
-        <p:spPr/>
+        <p:spPr>
+          <a:xfrm>
+            <a:off x="1024128" y="2286000"/>
+            <a:ext cx="6181015" cy="4023360"/>
+          </a:xfrm>
+        </p:spPr>
         <p:txBody>
           <a:bodyPr>
             <a:normAutofit/>
@@ -5632,8 +5220,16 @@
               <a:buChar char="§"/>
             </a:pPr>
             <a:r>
-              <a:rPr lang="en-US" sz="2800" dirty="0" smtClean="0"/>
-              <a:t>Fully Complete</a:t>
+              <a:rPr lang="en-US" sz="3200" dirty="0" smtClean="0"/>
+              <a:t>1</a:t>
+            </a:r>
+            <a:r>
+              <a:rPr lang="en-US" sz="3200" baseline="30000" dirty="0" smtClean="0"/>
+              <a:t>st</a:t>
+            </a:r>
+            <a:r>
+              <a:rPr lang="en-US" sz="3200" dirty="0" smtClean="0"/>
+              <a:t> level artwork finished</a:t>
             </a:r>
           </a:p>
           <a:p>
@@ -5642,8 +5238,16 @@
               <a:buChar char="§"/>
             </a:pPr>
             <a:r>
-              <a:rPr lang="en-US" sz="2400" dirty="0" smtClean="0"/>
-              <a:t>Made use of the shared google doc</a:t>
+              <a:rPr lang="en-US" sz="2800" dirty="0"/>
+              <a:t>F</a:t>
+            </a:r>
+            <a:r>
+              <a:rPr lang="en-US" sz="2800" dirty="0" smtClean="0"/>
+              <a:t>ull </a:t>
+            </a:r>
+            <a:r>
+              <a:rPr lang="en-US" sz="2800" dirty="0"/>
+              <a:t>player artwork</a:t>
             </a:r>
           </a:p>
           <a:p>
@@ -5652,8 +5256,8 @@
               <a:buChar char="§"/>
             </a:pPr>
             <a:r>
-              <a:rPr lang="en-US" sz="2400" dirty="0" smtClean="0"/>
-              <a:t>Had to change our site map, created a link from the home page that goes to a new affiliate page</a:t>
+              <a:rPr lang="en-US" sz="2800" dirty="0" smtClean="0"/>
+              <a:t>Full enemy artwork</a:t>
             </a:r>
           </a:p>
           <a:p>
@@ -5662,43 +5266,36 @@
               <a:buChar char="§"/>
             </a:pPr>
             <a:r>
-              <a:rPr lang="en-US" sz="2400" dirty="0" smtClean="0"/>
-              <a:t>&lt;insert affiliate page here&gt;</a:t>
-            </a:r>
-            <a:endParaRPr lang="en-US" sz="2000" dirty="0"/>
-          </a:p>
-        </p:txBody>
-      </p:sp>
-      <p:pic>
-        <p:nvPicPr>
-          <p:cNvPr id="4" name="Picture 3"/>
-          <p:cNvPicPr>
-            <a:picLocks noChangeAspect="1"/>
-          </p:cNvPicPr>
-          <p:nvPr/>
-        </p:nvPicPr>
-        <p:blipFill>
-          <a:blip r:embed="rId2" cstate="print">
-            <a:extLst>
-              <a:ext uri="{28A0092B-C50C-407E-A947-70E740481C1C}">
-                <a14:useLocalDpi xmlns:a14="http://schemas.microsoft.com/office/drawing/2010/main" val="0"/>
-              </a:ext>
-            </a:extLst>
-          </a:blip>
-          <a:stretch>
-            <a:fillRect/>
-          </a:stretch>
-        </p:blipFill>
-        <p:spPr>
-          <a:xfrm>
-            <a:off x="9108830" y="585216"/>
-            <a:ext cx="2004646" cy="2004646"/>
-          </a:xfrm>
-          <a:prstGeom prst="rect">
-            <a:avLst/>
-          </a:prstGeom>
-        </p:spPr>
-      </p:pic>
+              <a:rPr lang="en-US" sz="2800" dirty="0" smtClean="0"/>
+              <a:t>Background artwork</a:t>
+            </a:r>
+          </a:p>
+          <a:p>
+            <a:pPr>
+              <a:buFont typeface="Wingdings" panose="05000000000000000000" pitchFamily="2" charset="2"/>
+              <a:buChar char="§"/>
+            </a:pPr>
+            <a:r>
+              <a:rPr lang="en-US" sz="3200" dirty="0" smtClean="0"/>
+              <a:t>Implemented login and create account overlay</a:t>
+            </a:r>
+          </a:p>
+          <a:p>
+            <a:pPr>
+              <a:buFont typeface="Wingdings" panose="05000000000000000000" pitchFamily="2" charset="2"/>
+              <a:buChar char="§"/>
+            </a:pPr>
+            <a:endParaRPr lang="en-US" sz="3200" dirty="0"/>
+          </a:p>
+          <a:p>
+            <a:pPr lvl="1">
+              <a:buFont typeface="Wingdings" panose="05000000000000000000" pitchFamily="2" charset="2"/>
+              <a:buChar char="§"/>
+            </a:pPr>
+            <a:endParaRPr lang="en-US" sz="2800" dirty="0"/>
+          </a:p>
+        </p:txBody>
+      </p:sp>
       <p:sp>
         <p:nvSpPr>
           <p:cNvPr id="6" name="TextBox 5"/>
@@ -5727,10 +5324,34 @@
           </a:p>
         </p:txBody>
       </p:sp>
+      <p:pic>
+        <p:nvPicPr>
+          <p:cNvPr id="4" name="Picture 3"/>
+          <p:cNvPicPr>
+            <a:picLocks noChangeAspect="1"/>
+          </p:cNvPicPr>
+          <p:nvPr/>
+        </p:nvPicPr>
+        <p:blipFill>
+          <a:blip r:embed="rId2"/>
+          <a:stretch>
+            <a:fillRect/>
+          </a:stretch>
+        </p:blipFill>
+        <p:spPr>
+          <a:xfrm>
+            <a:off x="6835467" y="1709224"/>
+            <a:ext cx="3959919" cy="4247770"/>
+          </a:xfrm>
+          <a:prstGeom prst="rect">
+            <a:avLst/>
+          </a:prstGeom>
+        </p:spPr>
+      </p:pic>
     </p:spTree>
     <p:extLst>
       <p:ext uri="{BB962C8B-B14F-4D97-AF65-F5344CB8AC3E}">
-        <p14:creationId xmlns:p14="http://schemas.microsoft.com/office/powerpoint/2010/main" val="4041261738"/>
+        <p14:creationId xmlns:p14="http://schemas.microsoft.com/office/powerpoint/2010/main" val="2506576550"/>
       </p:ext>
     </p:extLst>
   </p:cSld>
@@ -5783,7 +5404,15 @@
           <a:p>
             <a:r>
               <a:rPr lang="en-US" sz="4500" dirty="0" smtClean="0"/>
-              <a:t>Artwork – Tasks Completed</a:t>
+              <a:t>Artwork and UI </a:t>
+            </a:r>
+            <a:r>
+              <a:rPr lang="en-US" sz="4500" dirty="0" smtClean="0"/>
+              <a:t>– Tasks not </a:t>
+            </a:r>
+            <a:r>
+              <a:rPr lang="en-US" sz="4500" dirty="0" smtClean="0"/>
+              <a:t>Completed</a:t>
             </a:r>
             <a:endParaRPr lang="en-US" sz="4500" dirty="0"/>
           </a:p>
@@ -5799,15 +5428,10 @@
             <p:ph idx="1"/>
           </p:nvPr>
         </p:nvSpPr>
-        <p:spPr>
-          <a:xfrm>
-            <a:off x="1024128" y="2286000"/>
-            <a:ext cx="6181015" cy="4023360"/>
-          </a:xfrm>
-        </p:spPr>
+        <p:spPr/>
         <p:txBody>
           <a:bodyPr>
-            <a:normAutofit/>
+            <a:normAutofit fontScale="92500" lnSpcReduction="20000"/>
           </a:bodyPr>
           <a:lstStyle/>
           <a:p>
@@ -5817,15 +5441,11 @@
             </a:pPr>
             <a:r>
               <a:rPr lang="en-US" sz="3200" dirty="0" smtClean="0"/>
-              <a:t>1</a:t>
-            </a:r>
-            <a:r>
-              <a:rPr lang="en-US" sz="3200" baseline="30000" dirty="0" smtClean="0"/>
-              <a:t>st</a:t>
+              <a:t>Artwork not </a:t>
             </a:r>
             <a:r>
               <a:rPr lang="en-US" sz="3200" dirty="0" smtClean="0"/>
-              <a:t> level artwork finished</a:t>
+              <a:t>implemented</a:t>
             </a:r>
           </a:p>
           <a:p>
@@ -5835,11 +5455,7 @@
             </a:pPr>
             <a:r>
               <a:rPr lang="en-US" sz="2800" dirty="0" smtClean="0"/>
-              <a:t>Implement </a:t>
-            </a:r>
-            <a:r>
-              <a:rPr lang="en-US" sz="2800" dirty="0"/>
-              <a:t>full player artwork</a:t>
+              <a:t>Menu screens</a:t>
             </a:r>
           </a:p>
           <a:p>
@@ -5848,14 +5464,111 @@
               <a:buChar char="§"/>
             </a:pPr>
             <a:r>
+              <a:rPr lang="en-US" sz="2800" dirty="0" smtClean="0"/>
+              <a:t>Level background needs to look like a perfect loop</a:t>
+            </a:r>
+            <a:endParaRPr lang="en-US" sz="2800" dirty="0"/>
+          </a:p>
+          <a:p>
+            <a:pPr>
+              <a:buFont typeface="Wingdings" panose="05000000000000000000" pitchFamily="2" charset="2"/>
+              <a:buChar char="§"/>
+            </a:pPr>
+            <a:r>
+              <a:rPr lang="en-US" sz="3200" dirty="0" smtClean="0"/>
+              <a:t>UI not implemented</a:t>
+            </a:r>
+          </a:p>
+          <a:p>
+            <a:pPr lvl="1">
+              <a:buFont typeface="Wingdings" panose="05000000000000000000" pitchFamily="2" charset="2"/>
+              <a:buChar char="§"/>
+            </a:pPr>
+            <a:r>
               <a:rPr lang="en-US" sz="2800" dirty="0"/>
-              <a:t>Implement full enemy </a:t>
+              <a:t>F</a:t>
             </a:r>
             <a:r>
               <a:rPr lang="en-US" sz="2800" dirty="0" smtClean="0"/>
-              <a:t>artwork</a:t>
-            </a:r>
-            <a:endParaRPr lang="en-US" sz="2800" dirty="0"/>
+              <a:t>ull </a:t>
+            </a:r>
+            <a:r>
+              <a:rPr lang="en-US" sz="2800" dirty="0"/>
+              <a:t>character </a:t>
+            </a:r>
+            <a:r>
+              <a:rPr lang="en-US" sz="2800" dirty="0" smtClean="0"/>
+              <a:t>selection</a:t>
+            </a:r>
+          </a:p>
+          <a:p>
+            <a:pPr lvl="1">
+              <a:buFont typeface="Wingdings" panose="05000000000000000000" pitchFamily="2" charset="2"/>
+              <a:buChar char="§"/>
+            </a:pPr>
+            <a:r>
+              <a:rPr lang="en-US" sz="2800" dirty="0"/>
+              <a:t>Color scheme not fully implemented</a:t>
+            </a:r>
+          </a:p>
+          <a:p>
+            <a:pPr lvl="1">
+              <a:buFont typeface="Wingdings" panose="05000000000000000000" pitchFamily="2" charset="2"/>
+              <a:buChar char="§"/>
+            </a:pPr>
+            <a:r>
+              <a:rPr lang="en-US" sz="2800" dirty="0" smtClean="0"/>
+              <a:t>Buttons and fonts need styling</a:t>
+            </a:r>
+          </a:p>
+          <a:p>
+            <a:pPr>
+              <a:buFont typeface="Wingdings" panose="05000000000000000000" pitchFamily="2" charset="2"/>
+              <a:buChar char="§"/>
+            </a:pPr>
+            <a:r>
+              <a:rPr lang="en-US" sz="3200" dirty="0" smtClean="0"/>
+              <a:t>Challenges</a:t>
+            </a:r>
+          </a:p>
+          <a:p>
+            <a:pPr lvl="1">
+              <a:buFont typeface="Wingdings" panose="05000000000000000000" pitchFamily="2" charset="2"/>
+              <a:buChar char="§"/>
+            </a:pPr>
+            <a:r>
+              <a:rPr lang="en-US" sz="2800" dirty="0" smtClean="0"/>
+              <a:t>Animations </a:t>
+            </a:r>
+            <a:r>
+              <a:rPr lang="en-US" sz="2800" dirty="0" smtClean="0"/>
+              <a:t>had to be separated into </a:t>
+            </a:r>
+            <a:r>
+              <a:rPr lang="en-US" sz="2800" dirty="0" smtClean="0"/>
+              <a:t>frames</a:t>
+            </a:r>
+          </a:p>
+          <a:p>
+            <a:pPr lvl="1">
+              <a:buFont typeface="Wingdings" panose="05000000000000000000" pitchFamily="2" charset="2"/>
+              <a:buChar char="§"/>
+            </a:pPr>
+            <a:r>
+              <a:rPr lang="en-US" sz="2800" dirty="0" smtClean="0"/>
+              <a:t>Animation issues </a:t>
+            </a:r>
+            <a:r>
+              <a:rPr lang="en-US" sz="2800" dirty="0"/>
+              <a:t>with displaying running character</a:t>
+            </a:r>
+          </a:p>
+          <a:p>
+            <a:pPr lvl="1">
+              <a:buFont typeface="Wingdings" panose="05000000000000000000" pitchFamily="2" charset="2"/>
+              <a:buChar char="§"/>
+            </a:pPr>
+            <a:endParaRPr lang="en-US" sz="2800" dirty="0" smtClean="0"/>
           </a:p>
         </p:txBody>
       </p:sp>
@@ -5889,7 +5602,7 @@
       </p:sp>
       <p:pic>
         <p:nvPicPr>
-          <p:cNvPr id="4" name="Picture 3"/>
+          <p:cNvPr id="5" name="Picture 4"/>
           <p:cNvPicPr>
             <a:picLocks noChangeAspect="1"/>
           </p:cNvPicPr>
@@ -5903,8 +5616,8 @@
         </p:blipFill>
         <p:spPr>
           <a:xfrm>
-            <a:off x="6191003" y="1534844"/>
-            <a:ext cx="4697750" cy="4654941"/>
+            <a:off x="8129820" y="1571222"/>
+            <a:ext cx="3338279" cy="4144491"/>
           </a:xfrm>
           <a:prstGeom prst="rect">
             <a:avLst/>
@@ -5914,7 +5627,7 @@
     </p:spTree>
     <p:extLst>
       <p:ext uri="{BB962C8B-B14F-4D97-AF65-F5344CB8AC3E}">
-        <p14:creationId xmlns:p14="http://schemas.microsoft.com/office/powerpoint/2010/main" val="2506576550"/>
+        <p14:creationId xmlns:p14="http://schemas.microsoft.com/office/powerpoint/2010/main" val="4151847243"/>
       </p:ext>
     </p:extLst>
   </p:cSld>
@@ -5967,11 +5680,7 @@
           <a:p>
             <a:r>
               <a:rPr lang="en-US" sz="4500" dirty="0" smtClean="0"/>
-              <a:t>Artwork – Tasks not </a:t>
-            </a:r>
-            <a:r>
-              <a:rPr lang="en-US" sz="4500" dirty="0" err="1" smtClean="0"/>
-              <a:t>COmpleted</a:t>
+              <a:t>Gameplay – Tasks Completed</a:t>
             </a:r>
             <a:endParaRPr lang="en-US" sz="4500" dirty="0"/>
           </a:p>
@@ -5987,10 +5696,15 @@
             <p:ph idx="1"/>
           </p:nvPr>
         </p:nvSpPr>
-        <p:spPr/>
+        <p:spPr>
+          <a:xfrm>
+            <a:off x="1024128" y="1808479"/>
+            <a:ext cx="9720071" cy="4886335"/>
+          </a:xfrm>
+        </p:spPr>
         <p:txBody>
           <a:bodyPr>
-            <a:normAutofit lnSpcReduction="10000"/>
+            <a:normAutofit/>
           </a:bodyPr>
           <a:lstStyle/>
           <a:p>
@@ -6000,8 +5714,9 @@
             </a:pPr>
             <a:r>
               <a:rPr lang="en-US" sz="3200" dirty="0" smtClean="0"/>
-              <a:t>Artwork not implemented</a:t>
-            </a:r>
+              <a:t>Core Mechanics</a:t>
+            </a:r>
+            <a:endParaRPr lang="en-US" sz="3200" dirty="0" smtClean="0"/>
           </a:p>
           <a:p>
             <a:pPr lvl="1">
@@ -6009,13 +5724,28 @@
               <a:buChar char="§"/>
             </a:pPr>
             <a:r>
+              <a:rPr lang="en-US" sz="2800" dirty="0"/>
+              <a:t>Basic functions for combat </a:t>
+            </a:r>
+            <a:r>
               <a:rPr lang="en-US" sz="2800" dirty="0" smtClean="0"/>
-              <a:t>Implement </a:t>
-            </a:r>
-            <a:r>
-              <a:rPr lang="en-US" sz="2800" dirty="0"/>
-              <a:t>full defeat artwork</a:t>
-            </a:r>
+              <a:t>system</a:t>
+            </a:r>
+          </a:p>
+          <a:p>
+            <a:pPr lvl="2">
+              <a:buFont typeface="Wingdings" panose="05000000000000000000" pitchFamily="2" charset="2"/>
+              <a:buChar char="§"/>
+            </a:pPr>
+            <a:r>
+              <a:rPr lang="en-US" sz="2400" dirty="0" smtClean="0"/>
+              <a:t>Auto attack, items and skills </a:t>
+            </a:r>
+            <a:r>
+              <a:rPr lang="en-US" sz="2400" dirty="0" smtClean="0"/>
+              <a:t>added</a:t>
+            </a:r>
+            <a:endParaRPr lang="en-US" sz="2400" dirty="0" smtClean="0"/>
           </a:p>
           <a:p>
             <a:pPr lvl="1">
@@ -6023,8 +5753,26 @@
               <a:buChar char="§"/>
             </a:pPr>
             <a:r>
+              <a:rPr lang="en-US" sz="2800" dirty="0" smtClean="0"/>
+              <a:t>Added </a:t>
+            </a:r>
+            <a:r>
               <a:rPr lang="en-US" sz="2800" dirty="0"/>
-              <a:t>Implement full character selection artwork</a:t>
+              <a:t>core gameplay </a:t>
+            </a:r>
+            <a:r>
+              <a:rPr lang="en-US" sz="2800" dirty="0" smtClean="0"/>
+              <a:t>loop</a:t>
+            </a:r>
+          </a:p>
+          <a:p>
+            <a:pPr lvl="2">
+              <a:buFont typeface="Wingdings" panose="05000000000000000000" pitchFamily="2" charset="2"/>
+              <a:buChar char="§"/>
+            </a:pPr>
+            <a:r>
+              <a:rPr lang="en-US" sz="2400" dirty="0" smtClean="0"/>
+              <a:t>Collision mechanic added</a:t>
             </a:r>
           </a:p>
           <a:p>
@@ -6033,8 +5781,8 @@
               <a:buChar char="§"/>
             </a:pPr>
             <a:r>
-              <a:rPr lang="en-US" sz="2800" dirty="0"/>
-              <a:t>Implement full start screen artwork</a:t>
+              <a:rPr lang="en-US" sz="2800" dirty="0" smtClean="0"/>
+              <a:t>Added boss and quiz section</a:t>
             </a:r>
           </a:p>
           <a:p>
@@ -6044,52 +5792,28 @@
             </a:pPr>
             <a:r>
               <a:rPr lang="en-US" sz="2800" dirty="0"/>
-              <a:t>Implement full main menu artwork</a:t>
-            </a:r>
+              <a:t>P</a:t>
+            </a:r>
+            <a:r>
+              <a:rPr lang="en-US" sz="2800" dirty="0" smtClean="0"/>
+              <a:t>laceholder </a:t>
+            </a:r>
+            <a:r>
+              <a:rPr lang="en-US" sz="2800" dirty="0"/>
+              <a:t>level is fully </a:t>
+            </a:r>
+            <a:r>
+              <a:rPr lang="en-US" sz="2800" dirty="0" smtClean="0"/>
+              <a:t>functional</a:t>
+            </a:r>
+            <a:endParaRPr lang="en-US" sz="2800" dirty="0"/>
           </a:p>
           <a:p>
             <a:pPr lvl="1">
               <a:buFont typeface="Wingdings" panose="05000000000000000000" pitchFamily="2" charset="2"/>
               <a:buChar char="§"/>
             </a:pPr>
-            <a:r>
-              <a:rPr lang="en-US" sz="2800" dirty="0"/>
-              <a:t>Implement full registration artwork</a:t>
-            </a:r>
-          </a:p>
-          <a:p>
-            <a:pPr lvl="1">
-              <a:buFont typeface="Wingdings" panose="05000000000000000000" pitchFamily="2" charset="2"/>
-              <a:buChar char="§"/>
-            </a:pPr>
-            <a:r>
-              <a:rPr lang="en-US" sz="2800" dirty="0"/>
-              <a:t>Implement full login </a:t>
-            </a:r>
-            <a:r>
-              <a:rPr lang="en-US" sz="2800" dirty="0" smtClean="0"/>
-              <a:t>artwork</a:t>
-            </a:r>
-          </a:p>
-          <a:p>
-            <a:pPr>
-              <a:buFont typeface="Wingdings" panose="05000000000000000000" pitchFamily="2" charset="2"/>
-              <a:buChar char="§"/>
-            </a:pPr>
-            <a:r>
-              <a:rPr lang="en-US" sz="3200" dirty="0" smtClean="0"/>
-              <a:t>Challenges</a:t>
-            </a:r>
-          </a:p>
-          <a:p>
-            <a:pPr lvl="1">
-              <a:buFont typeface="Wingdings" panose="05000000000000000000" pitchFamily="2" charset="2"/>
-              <a:buChar char="§"/>
-            </a:pPr>
-            <a:r>
-              <a:rPr lang="en-US" sz="2800" dirty="0" smtClean="0"/>
-              <a:t>Animations had to be separated into frames</a:t>
-            </a:r>
+            <a:endParaRPr lang="en-US" sz="2800" dirty="0" smtClean="0"/>
           </a:p>
         </p:txBody>
       </p:sp>
@@ -6115,7 +5839,7 @@
         </p:blipFill>
         <p:spPr>
           <a:xfrm>
-            <a:off x="9121709" y="332701"/>
+            <a:off x="8461131" y="614834"/>
             <a:ext cx="2004646" cy="2004646"/>
           </a:xfrm>
           <a:prstGeom prst="rect">
@@ -6154,7 +5878,7 @@
     </p:spTree>
     <p:extLst>
       <p:ext uri="{BB962C8B-B14F-4D97-AF65-F5344CB8AC3E}">
-        <p14:creationId xmlns:p14="http://schemas.microsoft.com/office/powerpoint/2010/main" val="4151847243"/>
+        <p14:creationId xmlns:p14="http://schemas.microsoft.com/office/powerpoint/2010/main" val="2652091109"/>
       </p:ext>
     </p:extLst>
   </p:cSld>
@@ -6207,7 +5931,7 @@
           <a:p>
             <a:r>
               <a:rPr lang="en-US" sz="4500" dirty="0" smtClean="0"/>
-              <a:t>Gameplay – Tasks Completed</a:t>
+              <a:t>Gameplay - Tasks not Completed</a:t>
             </a:r>
             <a:endParaRPr lang="en-US" sz="4500" dirty="0"/>
           </a:p>
@@ -6240,12 +5964,8 @@
               <a:buChar char="§"/>
             </a:pPr>
             <a:r>
-              <a:rPr lang="en-US" sz="3200" dirty="0"/>
-              <a:t>G</a:t>
-            </a:r>
-            <a:r>
               <a:rPr lang="en-US" sz="3200" dirty="0" smtClean="0"/>
-              <a:t>ameplay mechanics implemented</a:t>
+              <a:t>Mechanics not implemented yet</a:t>
             </a:r>
           </a:p>
           <a:p>
@@ -6254,24 +5974,9 @@
               <a:buChar char="§"/>
             </a:pPr>
             <a:r>
-              <a:rPr lang="en-US" sz="2800" dirty="0"/>
-              <a:t>Basic functions for combat </a:t>
-            </a:r>
-            <a:r>
               <a:rPr lang="en-US" sz="2800" dirty="0" smtClean="0"/>
-              <a:t>system</a:t>
-            </a:r>
-          </a:p>
-          <a:p>
-            <a:pPr lvl="2">
-              <a:buFont typeface="Wingdings" panose="05000000000000000000" pitchFamily="2" charset="2"/>
-              <a:buChar char="§"/>
-            </a:pPr>
-            <a:r>
-              <a:rPr lang="en-US" sz="2400" dirty="0" smtClean="0"/>
-              <a:t>Auto attack, items and skills added</a:t>
-            </a:r>
-            <a:endParaRPr lang="en-US" sz="2400" dirty="0" smtClean="0"/>
+              <a:t>Defeat/Victory Overlay</a:t>
+            </a:r>
           </a:p>
           <a:p>
             <a:pPr lvl="1">
@@ -6280,27 +5985,8 @@
             </a:pPr>
             <a:r>
               <a:rPr lang="en-US" sz="2800" dirty="0" smtClean="0"/>
-              <a:t>Added </a:t>
-            </a:r>
-            <a:r>
-              <a:rPr lang="en-US" sz="2800" dirty="0"/>
-              <a:t>core gameplay </a:t>
-            </a:r>
-            <a:r>
-              <a:rPr lang="en-US" sz="2800" dirty="0" smtClean="0"/>
-              <a:t>loop</a:t>
-            </a:r>
-          </a:p>
-          <a:p>
-            <a:pPr lvl="2">
-              <a:buFont typeface="Wingdings" panose="05000000000000000000" pitchFamily="2" charset="2"/>
-              <a:buChar char="§"/>
-            </a:pPr>
-            <a:r>
-              <a:rPr lang="en-US" sz="2400" dirty="0" smtClean="0"/>
-              <a:t>Collision mechanic added</a:t>
-            </a:r>
-            <a:endParaRPr lang="en-US" sz="2400" dirty="0" smtClean="0"/>
+              <a:t>No pause menu</a:t>
+            </a:r>
           </a:p>
           <a:p>
             <a:pPr lvl="1">
@@ -6309,7 +5995,7 @@
             </a:pPr>
             <a:r>
               <a:rPr lang="en-US" sz="2800" dirty="0" smtClean="0"/>
-              <a:t>Added boss and quiz section</a:t>
+              <a:t>No exit from gameplay</a:t>
             </a:r>
           </a:p>
           <a:p>
@@ -6318,20 +6004,27 @@
               <a:buChar char="§"/>
             </a:pPr>
             <a:r>
+              <a:rPr lang="en-US" sz="2800" dirty="0" smtClean="0"/>
+              <a:t>Gameplay </a:t>
+            </a:r>
+            <a:r>
+              <a:rPr lang="en-US" sz="2800" dirty="0" smtClean="0"/>
+              <a:t>dialogue </a:t>
+            </a:r>
+            <a:r>
               <a:rPr lang="en-US" sz="2800" dirty="0"/>
-              <a:t>P</a:t>
-            </a:r>
-            <a:r>
-              <a:rPr lang="en-US" sz="2800" dirty="0" smtClean="0"/>
-              <a:t>laceholder </a:t>
-            </a:r>
-            <a:r>
-              <a:rPr lang="en-US" sz="2800" dirty="0"/>
-              <a:t>level is fully </a:t>
-            </a:r>
-            <a:r>
-              <a:rPr lang="en-US" sz="2800" dirty="0" smtClean="0"/>
-              <a:t>functional</a:t>
+              <a:t>functions </a:t>
+            </a:r>
+            <a:endParaRPr lang="en-US" sz="2800" dirty="0" smtClean="0"/>
+          </a:p>
+          <a:p>
+            <a:pPr>
+              <a:buFont typeface="Wingdings" panose="05000000000000000000" pitchFamily="2" charset="2"/>
+              <a:buChar char="§"/>
+            </a:pPr>
+            <a:r>
+              <a:rPr lang="en-US" sz="3200" dirty="0" smtClean="0"/>
+              <a:t>Challenges</a:t>
             </a:r>
             <a:endParaRPr lang="en-US" sz="2800" dirty="0"/>
           </a:p>
@@ -6340,7 +6033,29 @@
               <a:buFont typeface="Wingdings" panose="05000000000000000000" pitchFamily="2" charset="2"/>
               <a:buChar char="§"/>
             </a:pPr>
+            <a:r>
+              <a:rPr lang="en-US" sz="2800" dirty="0" smtClean="0"/>
+              <a:t>Not enough detail on gameplay mechanics </a:t>
+            </a:r>
+            <a:r>
+              <a:rPr lang="en-US" sz="2800" dirty="0" smtClean="0"/>
+              <a:t>document</a:t>
+            </a:r>
             <a:endParaRPr lang="en-US" sz="2800" dirty="0" smtClean="0"/>
+          </a:p>
+          <a:p>
+            <a:pPr lvl="1">
+              <a:buFont typeface="Wingdings" panose="05000000000000000000" pitchFamily="2" charset="2"/>
+              <a:buChar char="§"/>
+            </a:pPr>
+            <a:r>
+              <a:rPr lang="en-US" sz="2800" dirty="0" smtClean="0"/>
+              <a:t>Changed to a collision based </a:t>
+            </a:r>
+            <a:r>
+              <a:rPr lang="en-US" sz="2800" dirty="0" smtClean="0"/>
+              <a:t>mechanic</a:t>
+            </a:r>
           </a:p>
         </p:txBody>
       </p:sp>
@@ -6405,7 +6120,7 @@
     </p:spTree>
     <p:extLst>
       <p:ext uri="{BB962C8B-B14F-4D97-AF65-F5344CB8AC3E}">
-        <p14:creationId xmlns:p14="http://schemas.microsoft.com/office/powerpoint/2010/main" val="2652091109"/>
+        <p14:creationId xmlns:p14="http://schemas.microsoft.com/office/powerpoint/2010/main" val="2882799264"/>
       </p:ext>
     </p:extLst>
   </p:cSld>
@@ -6458,7 +6173,7 @@
           <a:p>
             <a:r>
               <a:rPr lang="en-US" sz="4500" dirty="0" smtClean="0"/>
-              <a:t>Gameplay - Tasks not Completed</a:t>
+              <a:t>Database – Tasks Completed</a:t>
             </a:r>
             <a:endParaRPr lang="en-US" sz="4500" dirty="0"/>
           </a:p>
@@ -6476,8 +6191,8 @@
         </p:nvSpPr>
         <p:spPr>
           <a:xfrm>
-            <a:off x="1024128" y="1808479"/>
-            <a:ext cx="9720071" cy="4886335"/>
+            <a:off x="1024128" y="2084833"/>
+            <a:ext cx="9720071" cy="4359510"/>
           </a:xfrm>
         </p:spPr>
         <p:txBody>
@@ -6491,8 +6206,12 @@
               <a:buChar char="§"/>
             </a:pPr>
             <a:r>
-              <a:rPr lang="en-US" sz="3200" dirty="0" smtClean="0"/>
-              <a:t>Mechanics not implemented yet</a:t>
+              <a:rPr lang="en-US" sz="2800" dirty="0"/>
+              <a:t>A database with a sufficient number of trivia </a:t>
+            </a:r>
+            <a:r>
+              <a:rPr lang="en-US" sz="2800" dirty="0" smtClean="0"/>
+              <a:t>questions</a:t>
             </a:r>
           </a:p>
           <a:p>
@@ -6501,22 +6220,9 @@
               <a:buChar char="§"/>
             </a:pPr>
             <a:r>
-              <a:rPr lang="en-US" sz="2800" dirty="0" smtClean="0"/>
-              <a:t>Defeat </a:t>
-            </a:r>
-            <a:r>
-              <a:rPr lang="en-US" sz="2800" dirty="0"/>
-              <a:t>Overlay </a:t>
-            </a:r>
-            <a:r>
-              <a:rPr lang="en-US" sz="2800" dirty="0" err="1"/>
-              <a:t>javascript</a:t>
-            </a:r>
-            <a:r>
-              <a:rPr lang="en-US" sz="2800" dirty="0"/>
-              <a:t> functionality </a:t>
-            </a:r>
-            <a:endParaRPr lang="en-US" sz="2800" dirty="0" smtClean="0"/>
+              <a:rPr lang="en-US" sz="2400" dirty="0" smtClean="0"/>
+              <a:t>Researched and created 25 questions</a:t>
+            </a:r>
           </a:p>
           <a:p>
             <a:pPr lvl="1">
@@ -6524,18 +6230,9 @@
               <a:buChar char="§"/>
             </a:pPr>
             <a:r>
-              <a:rPr lang="en-US" sz="2800" dirty="0"/>
-              <a:t>Gameplay </a:t>
-            </a:r>
-            <a:r>
-              <a:rPr lang="en-US" sz="2800" dirty="0" smtClean="0"/>
-              <a:t>dialogue </a:t>
-            </a:r>
-            <a:r>
-              <a:rPr lang="en-US" sz="2800" dirty="0"/>
-              <a:t>functions </a:t>
-            </a:r>
-            <a:endParaRPr lang="en-US" sz="2800" dirty="0" smtClean="0"/>
+              <a:rPr lang="en-US" sz="2400" dirty="0" smtClean="0"/>
+              <a:t>Formatted questions into multiple choice</a:t>
+            </a:r>
           </a:p>
           <a:p>
             <a:pPr lvl="1">
@@ -6543,13 +6240,10 @@
               <a:buChar char="§"/>
             </a:pPr>
             <a:r>
-              <a:rPr lang="en-US" sz="2800" dirty="0"/>
-              <a:t>Gameplay dialogue implemented with </a:t>
-            </a:r>
-            <a:r>
-              <a:rPr lang="en-US" sz="2800" dirty="0" smtClean="0"/>
-              <a:t>placeholder</a:t>
-            </a:r>
+              <a:rPr lang="en-US" sz="2400" dirty="0" smtClean="0"/>
+              <a:t>Created a JSON file and imported the questions to firebase</a:t>
+            </a:r>
+            <a:endParaRPr lang="en-US" sz="2400" dirty="0"/>
           </a:p>
           <a:p>
             <a:pPr>
@@ -6557,10 +6251,13 @@
               <a:buChar char="§"/>
             </a:pPr>
             <a:r>
-              <a:rPr lang="en-US" sz="3200" dirty="0" smtClean="0"/>
-              <a:t>Challenges</a:t>
-            </a:r>
-            <a:endParaRPr lang="en-US" sz="2800" dirty="0"/>
+              <a:rPr lang="en-US" sz="2800" dirty="0"/>
+              <a:t>D</a:t>
+            </a:r>
+            <a:r>
+              <a:rPr lang="en-US" sz="2800" dirty="0" smtClean="0"/>
+              <a:t>atabase functions</a:t>
+            </a:r>
           </a:p>
           <a:p>
             <a:pPr lvl="1">
@@ -6568,8 +6265,8 @@
               <a:buChar char="§"/>
             </a:pPr>
             <a:r>
-              <a:rPr lang="en-US" sz="2800" dirty="0" smtClean="0"/>
-              <a:t>Not enough detail on gameplay mechanics description</a:t>
+              <a:rPr lang="en-US" sz="2400" dirty="0" smtClean="0"/>
+              <a:t>Worked out how to save and retrieve data</a:t>
             </a:r>
           </a:p>
           <a:p>
@@ -6578,24 +6275,9 @@
               <a:buChar char="§"/>
             </a:pPr>
             <a:r>
-              <a:rPr lang="en-US" sz="2800" dirty="0" smtClean="0"/>
-              <a:t>Needed to write a gameplay design </a:t>
-            </a:r>
-            <a:r>
-              <a:rPr lang="en-US" sz="2800" dirty="0" smtClean="0"/>
-              <a:t>document</a:t>
-            </a:r>
-          </a:p>
-          <a:p>
-            <a:pPr lvl="1">
-              <a:buFont typeface="Wingdings" panose="05000000000000000000" pitchFamily="2" charset="2"/>
-              <a:buChar char="§"/>
-            </a:pPr>
-            <a:r>
-              <a:rPr lang="en-US" sz="2800" dirty="0" smtClean="0"/>
-              <a:t>Changed to a collision based mechanic</a:t>
-            </a:r>
-            <a:endParaRPr lang="en-US" sz="2800" dirty="0" smtClean="0"/>
+              <a:rPr lang="en-US" sz="2400" dirty="0" smtClean="0"/>
+              <a:t>Enough functionality to enable game mechanics</a:t>
+            </a:r>
           </a:p>
         </p:txBody>
       </p:sp>
@@ -6660,7 +6342,7 @@
     </p:spTree>
     <p:extLst>
       <p:ext uri="{BB962C8B-B14F-4D97-AF65-F5344CB8AC3E}">
-        <p14:creationId xmlns:p14="http://schemas.microsoft.com/office/powerpoint/2010/main" val="2882799264"/>
+        <p14:creationId xmlns:p14="http://schemas.microsoft.com/office/powerpoint/2010/main" val="2121403504"/>
       </p:ext>
     </p:extLst>
   </p:cSld>
@@ -6713,7 +6395,7 @@
           <a:p>
             <a:r>
               <a:rPr lang="en-US" sz="4500" dirty="0" smtClean="0"/>
-              <a:t>Database – Tasks Completed</a:t>
+              <a:t>Database – Tasks not Complete</a:t>
             </a:r>
             <a:endParaRPr lang="en-US" sz="4500" dirty="0"/>
           </a:p>
@@ -6731,8 +6413,8 @@
         </p:nvSpPr>
         <p:spPr>
           <a:xfrm>
-            <a:off x="1024128" y="2084833"/>
-            <a:ext cx="9720071" cy="4359510"/>
+            <a:off x="1024128" y="1828800"/>
+            <a:ext cx="9720071" cy="4615543"/>
           </a:xfrm>
         </p:spPr>
         <p:txBody>
@@ -6746,12 +6428,8 @@
               <a:buChar char="§"/>
             </a:pPr>
             <a:r>
-              <a:rPr lang="en-US" sz="2800" dirty="0"/>
-              <a:t>A database with a sufficient number of trivia </a:t>
-            </a:r>
-            <a:r>
               <a:rPr lang="en-US" sz="2800" dirty="0" smtClean="0"/>
-              <a:t>questions</a:t>
+              <a:t>Level data</a:t>
             </a:r>
           </a:p>
           <a:p>
@@ -6761,7 +6439,7 @@
             </a:pPr>
             <a:r>
               <a:rPr lang="en-US" sz="2400" dirty="0" smtClean="0"/>
-              <a:t>Researched and created 25 questions</a:t>
+              <a:t>Enter enemy stats in database</a:t>
             </a:r>
           </a:p>
           <a:p>
@@ -6771,8 +6449,30 @@
             </a:pPr>
             <a:r>
               <a:rPr lang="en-US" sz="2400" dirty="0" smtClean="0"/>
-              <a:t>Formatted questions into multiple choice</a:t>
-            </a:r>
+              <a:t>Setup character level progress and item objects</a:t>
+            </a:r>
+            <a:endParaRPr lang="en-US" sz="2000" dirty="0"/>
+          </a:p>
+          <a:p>
+            <a:pPr>
+              <a:buFont typeface="Wingdings" panose="05000000000000000000" pitchFamily="2" charset="2"/>
+              <a:buChar char="§"/>
+            </a:pPr>
+            <a:r>
+              <a:rPr lang="en-US" sz="2800" dirty="0"/>
+              <a:t>Account registration and login</a:t>
+            </a:r>
+          </a:p>
+          <a:p>
+            <a:pPr>
+              <a:buFont typeface="Wingdings" panose="05000000000000000000" pitchFamily="2" charset="2"/>
+              <a:buChar char="§"/>
+            </a:pPr>
+            <a:r>
+              <a:rPr lang="en-US" sz="2800" dirty="0" smtClean="0"/>
+              <a:t>Challenges</a:t>
+            </a:r>
+            <a:endParaRPr lang="en-US" sz="2800" dirty="0" smtClean="0"/>
           </a:p>
           <a:p>
             <a:pPr lvl="1">
@@ -6780,44 +6480,48 @@
               <a:buChar char="§"/>
             </a:pPr>
             <a:r>
+              <a:rPr lang="en-US" sz="2400" dirty="0"/>
+              <a:t>New to </a:t>
+            </a:r>
+            <a:r>
               <a:rPr lang="en-US" sz="2400" dirty="0" smtClean="0"/>
-              <a:t>Created a JSON file and imported the questions to firebase</a:t>
+              <a:t>firebase</a:t>
             </a:r>
             <a:endParaRPr lang="en-US" sz="2400" dirty="0"/>
+          </a:p>
+          <a:p>
+            <a:pPr lvl="1">
+              <a:buFont typeface="Wingdings" panose="05000000000000000000" pitchFamily="2" charset="2"/>
+              <a:buChar char="§"/>
+            </a:pPr>
+            <a:r>
+              <a:rPr lang="en-US" sz="2400" dirty="0" smtClean="0"/>
+              <a:t>Connection problems solved with </a:t>
+            </a:r>
+            <a:r>
+              <a:rPr lang="en-US" sz="2400" dirty="0"/>
+              <a:t>correct version of the firebase library</a:t>
+            </a:r>
           </a:p>
           <a:p>
             <a:pPr>
               <a:buFont typeface="Wingdings" panose="05000000000000000000" pitchFamily="2" charset="2"/>
               <a:buChar char="§"/>
             </a:pPr>
-            <a:r>
-              <a:rPr lang="en-US" sz="2800" dirty="0"/>
-              <a:t>D</a:t>
-            </a:r>
-            <a:r>
-              <a:rPr lang="en-US" sz="2800" dirty="0" smtClean="0"/>
-              <a:t>atabase functions</a:t>
-            </a:r>
-          </a:p>
-          <a:p>
-            <a:pPr lvl="1">
+            <a:endParaRPr lang="en-US" sz="2800" dirty="0" smtClean="0"/>
+          </a:p>
+          <a:p>
+            <a:pPr marL="128016" lvl="1" indent="0">
+              <a:buNone/>
+            </a:pPr>
+            <a:endParaRPr lang="en-US" sz="2400" dirty="0" smtClean="0"/>
+          </a:p>
+          <a:p>
+            <a:pPr>
               <a:buFont typeface="Wingdings" panose="05000000000000000000" pitchFamily="2" charset="2"/>
               <a:buChar char="§"/>
             </a:pPr>
-            <a:r>
-              <a:rPr lang="en-US" sz="2400" dirty="0" smtClean="0"/>
-              <a:t>Worked out how to save and retrieve data</a:t>
-            </a:r>
-          </a:p>
-          <a:p>
-            <a:pPr lvl="1">
-              <a:buFont typeface="Wingdings" panose="05000000000000000000" pitchFamily="2" charset="2"/>
-              <a:buChar char="§"/>
-            </a:pPr>
-            <a:r>
-              <a:rPr lang="en-US" sz="2400" dirty="0" smtClean="0"/>
-              <a:t>Enough functionality to enable game mechanics</a:t>
-            </a:r>
+            <a:endParaRPr lang="en-US" sz="2800" dirty="0"/>
           </a:p>
         </p:txBody>
       </p:sp>
@@ -6882,7 +6586,7 @@
     </p:spTree>
     <p:extLst>
       <p:ext uri="{BB962C8B-B14F-4D97-AF65-F5344CB8AC3E}">
-        <p14:creationId xmlns:p14="http://schemas.microsoft.com/office/powerpoint/2010/main" val="2121403504"/>
+        <p14:creationId xmlns:p14="http://schemas.microsoft.com/office/powerpoint/2010/main" val="1659792108"/>
       </p:ext>
     </p:extLst>
   </p:cSld>
@@ -6935,7 +6639,7 @@
           <a:p>
             <a:r>
               <a:rPr lang="en-US" sz="4500" dirty="0" smtClean="0"/>
-              <a:t>Database – Tasks not Complete</a:t>
+              <a:t>Weekly Challenge - Affiliates page</a:t>
             </a:r>
             <a:endParaRPr lang="en-US" sz="4500" dirty="0"/>
           </a:p>
@@ -6953,8 +6657,8 @@
         </p:nvSpPr>
         <p:spPr>
           <a:xfrm>
-            <a:off x="1024128" y="1828800"/>
-            <a:ext cx="9720071" cy="4615543"/>
+            <a:off x="1024128" y="2286000"/>
+            <a:ext cx="5808373" cy="4023360"/>
           </a:xfrm>
         </p:spPr>
         <p:txBody>
@@ -6969,7 +6673,7 @@
             </a:pPr>
             <a:r>
               <a:rPr lang="en-US" sz="2800" dirty="0" smtClean="0"/>
-              <a:t>Level data</a:t>
+              <a:t>Fully Complete</a:t>
             </a:r>
           </a:p>
           <a:p>
@@ -6979,7 +6683,7 @@
             </a:pPr>
             <a:r>
               <a:rPr lang="en-US" sz="2400" dirty="0" smtClean="0"/>
-              <a:t>Enter enemy stats in database</a:t>
+              <a:t>Made use of the shared google doc</a:t>
             </a:r>
           </a:p>
           <a:p>
@@ -6989,148 +6693,16 @@
             </a:pPr>
             <a:r>
               <a:rPr lang="en-US" sz="2400" dirty="0" smtClean="0"/>
-              <a:t>Setup character level progress and item objects</a:t>
-            </a:r>
-            <a:endParaRPr lang="en-US" sz="2000" dirty="0"/>
-          </a:p>
-          <a:p>
-            <a:pPr>
-              <a:buFont typeface="Wingdings" panose="05000000000000000000" pitchFamily="2" charset="2"/>
-              <a:buChar char="§"/>
-            </a:pPr>
-            <a:r>
-              <a:rPr lang="en-US" sz="2800" dirty="0"/>
-              <a:t>Account registration and login</a:t>
-            </a:r>
-          </a:p>
-          <a:p>
-            <a:pPr lvl="1">
-              <a:buFont typeface="Wingdings" panose="05000000000000000000" pitchFamily="2" charset="2"/>
-              <a:buChar char="§"/>
-            </a:pPr>
-            <a:r>
-              <a:rPr lang="en-US" sz="2400" dirty="0"/>
-              <a:t>Code </a:t>
-            </a:r>
-            <a:r>
-              <a:rPr lang="en-US" sz="2400" dirty="0" err="1"/>
-              <a:t>javascript</a:t>
-            </a:r>
-            <a:r>
-              <a:rPr lang="en-US" sz="2400" dirty="0"/>
-              <a:t> for user registration page to </a:t>
+              <a:t>Had to change our site map, created a link from the home page that goes to a new affiliate </a:t>
             </a:r>
             <a:r>
               <a:rPr lang="en-US" sz="2400" dirty="0" smtClean="0"/>
-              <a:t>firebase</a:t>
-            </a:r>
-            <a:endParaRPr lang="en-US" sz="2400" dirty="0"/>
-          </a:p>
-          <a:p>
-            <a:pPr lvl="1">
-              <a:buFont typeface="Wingdings" panose="05000000000000000000" pitchFamily="2" charset="2"/>
-              <a:buChar char="§"/>
-            </a:pPr>
-            <a:r>
-              <a:rPr lang="en-US" sz="2400" dirty="0" err="1"/>
-              <a:t>Javascript</a:t>
-            </a:r>
-            <a:r>
-              <a:rPr lang="en-US" sz="2400" dirty="0"/>
-              <a:t> for user </a:t>
-            </a:r>
-            <a:r>
-              <a:rPr lang="en-US" sz="2400" dirty="0" smtClean="0"/>
-              <a:t>login</a:t>
-            </a:r>
-          </a:p>
-          <a:p>
-            <a:pPr>
-              <a:buFont typeface="Wingdings" panose="05000000000000000000" pitchFamily="2" charset="2"/>
-              <a:buChar char="§"/>
-            </a:pPr>
-            <a:r>
-              <a:rPr lang="en-US" sz="2800" dirty="0" smtClean="0"/>
-              <a:t>Challenges</a:t>
-            </a:r>
-          </a:p>
-          <a:p>
-            <a:pPr lvl="1">
-              <a:buFont typeface="Wingdings" panose="05000000000000000000" pitchFamily="2" charset="2"/>
-              <a:buChar char="§"/>
-            </a:pPr>
-            <a:r>
-              <a:rPr lang="en-US" sz="2400" dirty="0"/>
-              <a:t>New to </a:t>
-            </a:r>
-            <a:r>
-              <a:rPr lang="en-US" sz="2400" dirty="0" smtClean="0"/>
-              <a:t>firebase</a:t>
-            </a:r>
-            <a:endParaRPr lang="en-US" sz="2400" dirty="0"/>
-          </a:p>
-          <a:p>
-            <a:pPr lvl="1">
-              <a:buFont typeface="Wingdings" panose="05000000000000000000" pitchFamily="2" charset="2"/>
-              <a:buChar char="§"/>
-            </a:pPr>
-            <a:r>
-              <a:rPr lang="en-US" sz="2400" dirty="0"/>
-              <a:t>Need to use the correct version of the firebase library</a:t>
-            </a:r>
-          </a:p>
-          <a:p>
-            <a:pPr>
-              <a:buFont typeface="Wingdings" panose="05000000000000000000" pitchFamily="2" charset="2"/>
-              <a:buChar char="§"/>
-            </a:pPr>
-            <a:endParaRPr lang="en-US" sz="2800" dirty="0" smtClean="0"/>
-          </a:p>
-          <a:p>
-            <a:pPr marL="128016" lvl="1" indent="0">
-              <a:buNone/>
-            </a:pPr>
+              <a:t>page</a:t>
+            </a:r>
             <a:endParaRPr lang="en-US" sz="2400" dirty="0" smtClean="0"/>
           </a:p>
-          <a:p>
-            <a:pPr>
-              <a:buFont typeface="Wingdings" panose="05000000000000000000" pitchFamily="2" charset="2"/>
-              <a:buChar char="§"/>
-            </a:pPr>
-            <a:endParaRPr lang="en-US" sz="2800" dirty="0"/>
-          </a:p>
-        </p:txBody>
-      </p:sp>
-      <p:pic>
-        <p:nvPicPr>
-          <p:cNvPr id="4" name="Picture 3"/>
-          <p:cNvPicPr>
-            <a:picLocks noChangeAspect="1"/>
-          </p:cNvPicPr>
-          <p:nvPr/>
-        </p:nvPicPr>
-        <p:blipFill>
-          <a:blip r:embed="rId2" cstate="print">
-            <a:extLst>
-              <a:ext uri="{28A0092B-C50C-407E-A947-70E740481C1C}">
-                <a14:useLocalDpi xmlns:a14="http://schemas.microsoft.com/office/drawing/2010/main" val="0"/>
-              </a:ext>
-            </a:extLst>
-          </a:blip>
-          <a:stretch>
-            <a:fillRect/>
-          </a:stretch>
-        </p:blipFill>
-        <p:spPr>
-          <a:xfrm>
-            <a:off x="9108830" y="585216"/>
-            <a:ext cx="2004646" cy="2004646"/>
-          </a:xfrm>
-          <a:prstGeom prst="rect">
-            <a:avLst/>
-          </a:prstGeom>
-        </p:spPr>
-      </p:pic>
+        </p:txBody>
+      </p:sp>
       <p:sp>
         <p:nvSpPr>
           <p:cNvPr id="6" name="TextBox 5"/>
@@ -7159,10 +6731,34 @@
           </a:p>
         </p:txBody>
       </p:sp>
+      <p:pic>
+        <p:nvPicPr>
+          <p:cNvPr id="5" name="Picture 4"/>
+          <p:cNvPicPr>
+            <a:picLocks noChangeAspect="1"/>
+          </p:cNvPicPr>
+          <p:nvPr/>
+        </p:nvPicPr>
+        <p:blipFill>
+          <a:blip r:embed="rId2"/>
+          <a:stretch>
+            <a:fillRect/>
+          </a:stretch>
+        </p:blipFill>
+        <p:spPr>
+          <a:xfrm>
+            <a:off x="6832502" y="2084832"/>
+            <a:ext cx="3189492" cy="3753787"/>
+          </a:xfrm>
+          <a:prstGeom prst="rect">
+            <a:avLst/>
+          </a:prstGeom>
+        </p:spPr>
+      </p:pic>
     </p:spTree>
     <p:extLst>
       <p:ext uri="{BB962C8B-B14F-4D97-AF65-F5344CB8AC3E}">
-        <p14:creationId xmlns:p14="http://schemas.microsoft.com/office/powerpoint/2010/main" val="1659792108"/>
+        <p14:creationId xmlns:p14="http://schemas.microsoft.com/office/powerpoint/2010/main" val="4041261738"/>
       </p:ext>
     </p:extLst>
   </p:cSld>
